--- a/doc/매뉴얼/개발환경_설치매뉴얼(SourceTree).pptx
+++ b/doc/매뉴얼/개발환경_설치매뉴얼(SourceTree).pptx
@@ -7,9 +7,17 @@
   <p:sldIdLst>
     <p:sldId id="256" r:id="rId2"/>
     <p:sldId id="257" r:id="rId3"/>
-    <p:sldId id="258" r:id="rId4"/>
-    <p:sldId id="259" r:id="rId5"/>
-    <p:sldId id="260" r:id="rId6"/>
+    <p:sldId id="262" r:id="rId4"/>
+    <p:sldId id="258" r:id="rId5"/>
+    <p:sldId id="259" r:id="rId6"/>
+    <p:sldId id="260" r:id="rId7"/>
+    <p:sldId id="261" r:id="rId8"/>
+    <p:sldId id="264" r:id="rId9"/>
+    <p:sldId id="265" r:id="rId10"/>
+    <p:sldId id="263" r:id="rId11"/>
+    <p:sldId id="266" r:id="rId12"/>
+    <p:sldId id="267" r:id="rId13"/>
+    <p:sldId id="268" r:id="rId14"/>
   </p:sldIdLst>
   <p:sldSz cx="12192000" cy="6858000"/>
   <p:notesSz cx="6858000" cy="9144000"/>
@@ -245,7 +253,7 @@
           <a:p>
             <a:fld id="{74A8D933-2F53-45D7-9460-5D128D4E54D0}" type="datetimeFigureOut">
               <a:rPr lang="ko-KR" altLang="en-US" smtClean="0"/>
-              <a:t>2026-01-06</a:t>
+              <a:t>2026-01-13</a:t>
             </a:fld>
             <a:endParaRPr lang="ko-KR" altLang="en-US"/>
           </a:p>
@@ -413,7 +421,7 @@
           <a:p>
             <a:fld id="{74A8D933-2F53-45D7-9460-5D128D4E54D0}" type="datetimeFigureOut">
               <a:rPr lang="ko-KR" altLang="en-US" smtClean="0"/>
-              <a:t>2026-01-06</a:t>
+              <a:t>2026-01-13</a:t>
             </a:fld>
             <a:endParaRPr lang="ko-KR" altLang="en-US"/>
           </a:p>
@@ -591,7 +599,7 @@
           <a:p>
             <a:fld id="{74A8D933-2F53-45D7-9460-5D128D4E54D0}" type="datetimeFigureOut">
               <a:rPr lang="ko-KR" altLang="en-US" smtClean="0"/>
-              <a:t>2026-01-06</a:t>
+              <a:t>2026-01-13</a:t>
             </a:fld>
             <a:endParaRPr lang="ko-KR" altLang="en-US"/>
           </a:p>
@@ -759,7 +767,7 @@
           <a:p>
             <a:fld id="{74A8D933-2F53-45D7-9460-5D128D4E54D0}" type="datetimeFigureOut">
               <a:rPr lang="ko-KR" altLang="en-US" smtClean="0"/>
-              <a:t>2026-01-06</a:t>
+              <a:t>2026-01-13</a:t>
             </a:fld>
             <a:endParaRPr lang="ko-KR" altLang="en-US"/>
           </a:p>
@@ -1004,7 +1012,7 @@
           <a:p>
             <a:fld id="{74A8D933-2F53-45D7-9460-5D128D4E54D0}" type="datetimeFigureOut">
               <a:rPr lang="ko-KR" altLang="en-US" smtClean="0"/>
-              <a:t>2026-01-06</a:t>
+              <a:t>2026-01-13</a:t>
             </a:fld>
             <a:endParaRPr lang="ko-KR" altLang="en-US"/>
           </a:p>
@@ -1233,7 +1241,7 @@
           <a:p>
             <a:fld id="{74A8D933-2F53-45D7-9460-5D128D4E54D0}" type="datetimeFigureOut">
               <a:rPr lang="ko-KR" altLang="en-US" smtClean="0"/>
-              <a:t>2026-01-06</a:t>
+              <a:t>2026-01-13</a:t>
             </a:fld>
             <a:endParaRPr lang="ko-KR" altLang="en-US"/>
           </a:p>
@@ -1597,7 +1605,7 @@
           <a:p>
             <a:fld id="{74A8D933-2F53-45D7-9460-5D128D4E54D0}" type="datetimeFigureOut">
               <a:rPr lang="ko-KR" altLang="en-US" smtClean="0"/>
-              <a:t>2026-01-06</a:t>
+              <a:t>2026-01-13</a:t>
             </a:fld>
             <a:endParaRPr lang="ko-KR" altLang="en-US"/>
           </a:p>
@@ -1714,7 +1722,7 @@
           <a:p>
             <a:fld id="{74A8D933-2F53-45D7-9460-5D128D4E54D0}" type="datetimeFigureOut">
               <a:rPr lang="ko-KR" altLang="en-US" smtClean="0"/>
-              <a:t>2026-01-06</a:t>
+              <a:t>2026-01-13</a:t>
             </a:fld>
             <a:endParaRPr lang="ko-KR" altLang="en-US"/>
           </a:p>
@@ -1809,7 +1817,7 @@
           <a:p>
             <a:fld id="{74A8D933-2F53-45D7-9460-5D128D4E54D0}" type="datetimeFigureOut">
               <a:rPr lang="ko-KR" altLang="en-US" smtClean="0"/>
-              <a:t>2026-01-06</a:t>
+              <a:t>2026-01-13</a:t>
             </a:fld>
             <a:endParaRPr lang="ko-KR" altLang="en-US"/>
           </a:p>
@@ -2084,7 +2092,7 @@
           <a:p>
             <a:fld id="{74A8D933-2F53-45D7-9460-5D128D4E54D0}" type="datetimeFigureOut">
               <a:rPr lang="ko-KR" altLang="en-US" smtClean="0"/>
-              <a:t>2026-01-06</a:t>
+              <a:t>2026-01-13</a:t>
             </a:fld>
             <a:endParaRPr lang="ko-KR" altLang="en-US"/>
           </a:p>
@@ -2336,7 +2344,7 @@
           <a:p>
             <a:fld id="{74A8D933-2F53-45D7-9460-5D128D4E54D0}" type="datetimeFigureOut">
               <a:rPr lang="ko-KR" altLang="en-US" smtClean="0"/>
-              <a:t>2026-01-06</a:t>
+              <a:t>2026-01-13</a:t>
             </a:fld>
             <a:endParaRPr lang="ko-KR" altLang="en-US"/>
           </a:p>
@@ -2547,7 +2555,7 @@
           <a:p>
             <a:fld id="{74A8D933-2F53-45D7-9460-5D128D4E54D0}" type="datetimeFigureOut">
               <a:rPr lang="ko-KR" altLang="en-US" smtClean="0"/>
-              <a:t>2026-01-06</a:t>
+              <a:t>2026-01-13</a:t>
             </a:fld>
             <a:endParaRPr lang="ko-KR" altLang="en-US"/>
           </a:p>
@@ -3010,6 +3018,1314 @@
 </p:sld>
 </file>
 
+<file path=ppt/slides/slide10.xml><?xml version="1.0" encoding="utf-8"?>
+<p:sld xmlns:a="http://schemas.openxmlformats.org/drawingml/2006/main" xmlns:r="http://schemas.openxmlformats.org/officeDocument/2006/relationships" xmlns:p="http://schemas.openxmlformats.org/presentationml/2006/main">
+  <p:cSld>
+    <p:spTree>
+      <p:nvGrpSpPr>
+        <p:cNvPr id="1" name=""/>
+        <p:cNvGrpSpPr/>
+        <p:nvPr/>
+      </p:nvGrpSpPr>
+      <p:grpSpPr>
+        <a:xfrm>
+          <a:off x="0" y="0"/>
+          <a:ext cx="0" cy="0"/>
+          <a:chOff x="0" y="0"/>
+          <a:chExt cx="0" cy="0"/>
+        </a:xfrm>
+      </p:grpSpPr>
+      <p:sp>
+        <p:nvSpPr>
+          <p:cNvPr id="8" name="직사각형 7">
+            <a:extLst>
+              <a:ext uri="{FF2B5EF4-FFF2-40B4-BE49-F238E27FC236}">
+                <a16:creationId xmlns:a16="http://schemas.microsoft.com/office/drawing/2014/main" id="{1E8E8C4A-3375-B1A9-74C6-D31FEB2DC55E}"/>
+              </a:ext>
+            </a:extLst>
+          </p:cNvPr>
+          <p:cNvSpPr/>
+          <p:nvPr/>
+        </p:nvSpPr>
+        <p:spPr>
+          <a:xfrm>
+            <a:off x="325304" y="2459772"/>
+            <a:ext cx="3681546" cy="3407628"/>
+          </a:xfrm>
+          <a:prstGeom prst="rect">
+            <a:avLst/>
+          </a:prstGeom>
+          <a:noFill/>
+        </p:spPr>
+        <p:style>
+          <a:lnRef idx="2">
+            <a:schemeClr val="accent1">
+              <a:shade val="15000"/>
+            </a:schemeClr>
+          </a:lnRef>
+          <a:fillRef idx="1">
+            <a:schemeClr val="accent1"/>
+          </a:fillRef>
+          <a:effectRef idx="0">
+            <a:schemeClr val="accent1"/>
+          </a:effectRef>
+          <a:fontRef idx="minor">
+            <a:schemeClr val="lt1"/>
+          </a:fontRef>
+        </p:style>
+        <p:txBody>
+          <a:bodyPr rtlCol="0" anchor="ctr"/>
+          <a:lstStyle/>
+          <a:p>
+            <a:pPr algn="ctr"/>
+            <a:endParaRPr lang="ko-KR" altLang="en-US"/>
+          </a:p>
+        </p:txBody>
+      </p:sp>
+      <p:sp>
+        <p:nvSpPr>
+          <p:cNvPr id="2" name="제목 1">
+            <a:extLst>
+              <a:ext uri="{FF2B5EF4-FFF2-40B4-BE49-F238E27FC236}">
+                <a16:creationId xmlns:a16="http://schemas.microsoft.com/office/drawing/2014/main" id="{9486EE54-AF63-A2BE-1AFC-1058DA59014E}"/>
+              </a:ext>
+            </a:extLst>
+          </p:cNvPr>
+          <p:cNvSpPr>
+            <a:spLocks noGrp="1"/>
+          </p:cNvSpPr>
+          <p:nvPr>
+            <p:ph type="title"/>
+          </p:nvPr>
+        </p:nvSpPr>
+        <p:spPr/>
+        <p:txBody>
+          <a:bodyPr/>
+          <a:lstStyle/>
+          <a:p>
+            <a:endParaRPr lang="ko-KR" altLang="en-US"/>
+          </a:p>
+        </p:txBody>
+      </p:sp>
+      <p:pic>
+        <p:nvPicPr>
+          <p:cNvPr id="5" name="내용 개체 틀 4" descr="텍스트, 스크린샷, 폰트, 라인이(가) 표시된 사진&#10;&#10;AI 생성 콘텐츠는 정확하지 않을 수 있습니다.">
+            <a:extLst>
+              <a:ext uri="{FF2B5EF4-FFF2-40B4-BE49-F238E27FC236}">
+                <a16:creationId xmlns:a16="http://schemas.microsoft.com/office/drawing/2014/main" id="{9DBEED7E-D8B1-5662-A5A1-DAAD6E9926E5}"/>
+              </a:ext>
+            </a:extLst>
+          </p:cNvPr>
+          <p:cNvPicPr>
+            <a:picLocks noGrp="1" noChangeAspect="1"/>
+          </p:cNvPicPr>
+          <p:nvPr>
+            <p:ph idx="1"/>
+          </p:nvPr>
+        </p:nvPicPr>
+        <p:blipFill>
+          <a:blip r:embed="rId2"/>
+          <a:stretch>
+            <a:fillRect/>
+          </a:stretch>
+        </p:blipFill>
+        <p:spPr>
+          <a:xfrm>
+            <a:off x="325304" y="2459772"/>
+            <a:ext cx="1914792" cy="847843"/>
+          </a:xfrm>
+          <a:prstGeom prst="rect">
+            <a:avLst/>
+          </a:prstGeom>
+        </p:spPr>
+      </p:pic>
+      <p:pic>
+        <p:nvPicPr>
+          <p:cNvPr id="7" name="그림 6" descr="텍스트, 스크린샷, 번호, 폰트이(가) 표시된 사진&#10;&#10;AI 생성 콘텐츠는 정확하지 않을 수 있습니다.">
+            <a:extLst>
+              <a:ext uri="{FF2B5EF4-FFF2-40B4-BE49-F238E27FC236}">
+                <a16:creationId xmlns:a16="http://schemas.microsoft.com/office/drawing/2014/main" id="{7F2FAB8D-3A4D-5B58-86FF-5B22ACA99544}"/>
+              </a:ext>
+            </a:extLst>
+          </p:cNvPr>
+          <p:cNvPicPr>
+            <a:picLocks noChangeAspect="1"/>
+          </p:cNvPicPr>
+          <p:nvPr/>
+        </p:nvPicPr>
+        <p:blipFill>
+          <a:blip r:embed="rId3"/>
+          <a:stretch>
+            <a:fillRect/>
+          </a:stretch>
+        </p:blipFill>
+        <p:spPr>
+          <a:xfrm>
+            <a:off x="325304" y="3307615"/>
+            <a:ext cx="3633838" cy="2467293"/>
+          </a:xfrm>
+          <a:prstGeom prst="rect">
+            <a:avLst/>
+          </a:prstGeom>
+        </p:spPr>
+      </p:pic>
+      <p:sp>
+        <p:nvSpPr>
+          <p:cNvPr id="13" name="직사각형 12">
+            <a:extLst>
+              <a:ext uri="{FF2B5EF4-FFF2-40B4-BE49-F238E27FC236}">
+                <a16:creationId xmlns:a16="http://schemas.microsoft.com/office/drawing/2014/main" id="{508645C0-7F93-FE52-74EC-2FC0B389AB65}"/>
+              </a:ext>
+            </a:extLst>
+          </p:cNvPr>
+          <p:cNvSpPr/>
+          <p:nvPr/>
+        </p:nvSpPr>
+        <p:spPr>
+          <a:xfrm>
+            <a:off x="580122" y="3994150"/>
+            <a:ext cx="3198127" cy="266700"/>
+          </a:xfrm>
+          <a:prstGeom prst="rect">
+            <a:avLst/>
+          </a:prstGeom>
+          <a:noFill/>
+          <a:ln w="38100">
+            <a:solidFill>
+              <a:srgbClr val="FF0000"/>
+            </a:solidFill>
+          </a:ln>
+        </p:spPr>
+        <p:style>
+          <a:lnRef idx="2">
+            <a:schemeClr val="accent1">
+              <a:shade val="15000"/>
+            </a:schemeClr>
+          </a:lnRef>
+          <a:fillRef idx="1">
+            <a:schemeClr val="accent1"/>
+          </a:fillRef>
+          <a:effectRef idx="0">
+            <a:schemeClr val="accent1"/>
+          </a:effectRef>
+          <a:fontRef idx="minor">
+            <a:schemeClr val="lt1"/>
+          </a:fontRef>
+        </p:style>
+        <p:txBody>
+          <a:bodyPr rtlCol="0" anchor="ctr"/>
+          <a:lstStyle/>
+          <a:p>
+            <a:pPr algn="ctr"/>
+            <a:endParaRPr lang="ko-KR" altLang="en-US"/>
+          </a:p>
+        </p:txBody>
+      </p:sp>
+      <p:sp>
+        <p:nvSpPr>
+          <p:cNvPr id="15" name="TextBox 14">
+            <a:extLst>
+              <a:ext uri="{FF2B5EF4-FFF2-40B4-BE49-F238E27FC236}">
+                <a16:creationId xmlns:a16="http://schemas.microsoft.com/office/drawing/2014/main" id="{08C3242C-80C5-90AD-9189-89D49BDD28AD}"/>
+              </a:ext>
+            </a:extLst>
+          </p:cNvPr>
+          <p:cNvSpPr txBox="1"/>
+          <p:nvPr/>
+        </p:nvSpPr>
+        <p:spPr>
+          <a:xfrm>
+            <a:off x="4089400" y="3904218"/>
+            <a:ext cx="6096000" cy="369332"/>
+          </a:xfrm>
+          <a:prstGeom prst="rect">
+            <a:avLst/>
+          </a:prstGeom>
+          <a:noFill/>
+        </p:spPr>
+        <p:txBody>
+          <a:bodyPr wrap="square">
+            <a:spAutoFit/>
+          </a:bodyPr>
+          <a:lstStyle/>
+          <a:p>
+            <a:r>
+              <a:rPr lang="ko-KR" altLang="en-US" dirty="0"/>
+              <a:t>http://woobo.online:4000/woobo/sriver</a:t>
+            </a:r>
+          </a:p>
+        </p:txBody>
+      </p:sp>
+      <p:sp>
+        <p:nvSpPr>
+          <p:cNvPr id="16" name="직사각형 15">
+            <a:extLst>
+              <a:ext uri="{FF2B5EF4-FFF2-40B4-BE49-F238E27FC236}">
+                <a16:creationId xmlns:a16="http://schemas.microsoft.com/office/drawing/2014/main" id="{03584D33-4F78-E4CA-BB18-CC6E88281F6F}"/>
+              </a:ext>
+            </a:extLst>
+          </p:cNvPr>
+          <p:cNvSpPr/>
+          <p:nvPr/>
+        </p:nvSpPr>
+        <p:spPr>
+          <a:xfrm>
+            <a:off x="580122" y="4298950"/>
+            <a:ext cx="3198127" cy="520700"/>
+          </a:xfrm>
+          <a:prstGeom prst="rect">
+            <a:avLst/>
+          </a:prstGeom>
+          <a:noFill/>
+          <a:ln w="38100">
+            <a:solidFill>
+              <a:schemeClr val="accent5"/>
+            </a:solidFill>
+          </a:ln>
+        </p:spPr>
+        <p:style>
+          <a:lnRef idx="2">
+            <a:schemeClr val="accent1">
+              <a:shade val="15000"/>
+            </a:schemeClr>
+          </a:lnRef>
+          <a:fillRef idx="1">
+            <a:schemeClr val="accent1"/>
+          </a:fillRef>
+          <a:effectRef idx="0">
+            <a:schemeClr val="accent1"/>
+          </a:effectRef>
+          <a:fontRef idx="minor">
+            <a:schemeClr val="lt1"/>
+          </a:fontRef>
+        </p:style>
+        <p:txBody>
+          <a:bodyPr rtlCol="0" anchor="ctr"/>
+          <a:lstStyle/>
+          <a:p>
+            <a:pPr algn="ctr"/>
+            <a:endParaRPr lang="ko-KR" altLang="en-US"/>
+          </a:p>
+        </p:txBody>
+      </p:sp>
+      <p:sp>
+        <p:nvSpPr>
+          <p:cNvPr id="17" name="TextBox 16">
+            <a:extLst>
+              <a:ext uri="{FF2B5EF4-FFF2-40B4-BE49-F238E27FC236}">
+                <a16:creationId xmlns:a16="http://schemas.microsoft.com/office/drawing/2014/main" id="{C0A68CA1-2645-2AB5-E928-307F83937CA7}"/>
+              </a:ext>
+            </a:extLst>
+          </p:cNvPr>
+          <p:cNvSpPr txBox="1"/>
+          <p:nvPr/>
+        </p:nvSpPr>
+        <p:spPr>
+          <a:xfrm>
+            <a:off x="1430954" y="4314824"/>
+            <a:ext cx="1733167" cy="369332"/>
+          </a:xfrm>
+          <a:prstGeom prst="rect">
+            <a:avLst/>
+          </a:prstGeom>
+          <a:noFill/>
+        </p:spPr>
+        <p:txBody>
+          <a:bodyPr wrap="none" rtlCol="0">
+            <a:spAutoFit/>
+          </a:bodyPr>
+          <a:lstStyle/>
+          <a:p>
+            <a:r>
+              <a:rPr lang="ko-KR" altLang="en-US" dirty="0"/>
+              <a:t>로컬 저장 경로</a:t>
+            </a:r>
+          </a:p>
+        </p:txBody>
+      </p:sp>
+      <p:sp>
+        <p:nvSpPr>
+          <p:cNvPr id="18" name="TextBox 17">
+            <a:extLst>
+              <a:ext uri="{FF2B5EF4-FFF2-40B4-BE49-F238E27FC236}">
+                <a16:creationId xmlns:a16="http://schemas.microsoft.com/office/drawing/2014/main" id="{31DA554F-3EBD-6560-1292-3A1B1F819389}"/>
+              </a:ext>
+            </a:extLst>
+          </p:cNvPr>
+          <p:cNvSpPr txBox="1"/>
+          <p:nvPr/>
+        </p:nvSpPr>
+        <p:spPr>
+          <a:xfrm>
+            <a:off x="1410109" y="3945492"/>
+            <a:ext cx="1733167" cy="369332"/>
+          </a:xfrm>
+          <a:prstGeom prst="rect">
+            <a:avLst/>
+          </a:prstGeom>
+          <a:noFill/>
+        </p:spPr>
+        <p:txBody>
+          <a:bodyPr wrap="none" rtlCol="0">
+            <a:spAutoFit/>
+          </a:bodyPr>
+          <a:lstStyle/>
+          <a:p>
+            <a:r>
+              <a:rPr lang="ko-KR" altLang="en-US" dirty="0"/>
+              <a:t>원격 소스 경로</a:t>
+            </a:r>
+          </a:p>
+        </p:txBody>
+      </p:sp>
+      <p:sp>
+        <p:nvSpPr>
+          <p:cNvPr id="19" name="TextBox 18">
+            <a:extLst>
+              <a:ext uri="{FF2B5EF4-FFF2-40B4-BE49-F238E27FC236}">
+                <a16:creationId xmlns:a16="http://schemas.microsoft.com/office/drawing/2014/main" id="{1A94C88D-C08A-A404-65F8-699D1048F57F}"/>
+              </a:ext>
+            </a:extLst>
+          </p:cNvPr>
+          <p:cNvSpPr txBox="1"/>
+          <p:nvPr/>
+        </p:nvSpPr>
+        <p:spPr>
+          <a:xfrm>
+            <a:off x="4089400" y="4314824"/>
+            <a:ext cx="6096000" cy="369332"/>
+          </a:xfrm>
+          <a:prstGeom prst="rect">
+            <a:avLst/>
+          </a:prstGeom>
+          <a:noFill/>
+        </p:spPr>
+        <p:txBody>
+          <a:bodyPr wrap="square">
+            <a:spAutoFit/>
+          </a:bodyPr>
+          <a:lstStyle/>
+          <a:p>
+            <a:r>
+              <a:rPr lang="ko-KR" altLang="en-US" dirty="0"/>
+              <a:t>저장할 폴더 새로 </a:t>
+            </a:r>
+            <a:r>
+              <a:rPr lang="ko-KR" altLang="en-US" dirty="0" err="1"/>
+              <a:t>생성해야함</a:t>
+            </a:r>
+            <a:r>
+              <a:rPr lang="en-US" altLang="ko-KR" dirty="0"/>
+              <a:t>(</a:t>
+            </a:r>
+            <a:r>
+              <a:rPr lang="ko-KR" altLang="en-US" dirty="0"/>
+              <a:t>빈 폴더</a:t>
+            </a:r>
+            <a:r>
+              <a:rPr lang="en-US" altLang="ko-KR" dirty="0"/>
+              <a:t>)</a:t>
+            </a:r>
+            <a:endParaRPr lang="ko-KR" altLang="en-US" dirty="0"/>
+          </a:p>
+        </p:txBody>
+      </p:sp>
+      <p:sp>
+        <p:nvSpPr>
+          <p:cNvPr id="20" name="직사각형 19">
+            <a:extLst>
+              <a:ext uri="{FF2B5EF4-FFF2-40B4-BE49-F238E27FC236}">
+                <a16:creationId xmlns:a16="http://schemas.microsoft.com/office/drawing/2014/main" id="{39622E24-4C12-F067-F431-5CF09CD08464}"/>
+              </a:ext>
+            </a:extLst>
+          </p:cNvPr>
+          <p:cNvSpPr/>
+          <p:nvPr/>
+        </p:nvSpPr>
+        <p:spPr>
+          <a:xfrm>
+            <a:off x="592823" y="5536782"/>
+            <a:ext cx="505728" cy="130711"/>
+          </a:xfrm>
+          <a:prstGeom prst="rect">
+            <a:avLst/>
+          </a:prstGeom>
+          <a:noFill/>
+          <a:ln w="38100">
+            <a:solidFill>
+              <a:srgbClr val="FF0000"/>
+            </a:solidFill>
+          </a:ln>
+        </p:spPr>
+        <p:style>
+          <a:lnRef idx="2">
+            <a:schemeClr val="accent1">
+              <a:shade val="15000"/>
+            </a:schemeClr>
+          </a:lnRef>
+          <a:fillRef idx="1">
+            <a:schemeClr val="accent1"/>
+          </a:fillRef>
+          <a:effectRef idx="0">
+            <a:schemeClr val="accent1"/>
+          </a:effectRef>
+          <a:fontRef idx="minor">
+            <a:schemeClr val="lt1"/>
+          </a:fontRef>
+        </p:style>
+        <p:txBody>
+          <a:bodyPr rtlCol="0" anchor="ctr"/>
+          <a:lstStyle/>
+          <a:p>
+            <a:pPr algn="ctr"/>
+            <a:endParaRPr lang="ko-KR" altLang="en-US"/>
+          </a:p>
+        </p:txBody>
+      </p:sp>
+    </p:spTree>
+    <p:extLst>
+      <p:ext uri="{BB962C8B-B14F-4D97-AF65-F5344CB8AC3E}">
+        <p14:creationId xmlns:p14="http://schemas.microsoft.com/office/powerpoint/2010/main" val="1761312188"/>
+      </p:ext>
+    </p:extLst>
+  </p:cSld>
+  <p:clrMapOvr>
+    <a:masterClrMapping/>
+  </p:clrMapOvr>
+</p:sld>
+</file>
+
+<file path=ppt/slides/slide11.xml><?xml version="1.0" encoding="utf-8"?>
+<p:sld xmlns:a="http://schemas.openxmlformats.org/drawingml/2006/main" xmlns:r="http://schemas.openxmlformats.org/officeDocument/2006/relationships" xmlns:p="http://schemas.openxmlformats.org/presentationml/2006/main">
+  <p:cSld>
+    <p:spTree>
+      <p:nvGrpSpPr>
+        <p:cNvPr id="1" name=""/>
+        <p:cNvGrpSpPr/>
+        <p:nvPr/>
+      </p:nvGrpSpPr>
+      <p:grpSpPr>
+        <a:xfrm>
+          <a:off x="0" y="0"/>
+          <a:ext cx="0" cy="0"/>
+          <a:chOff x="0" y="0"/>
+          <a:chExt cx="0" cy="0"/>
+        </a:xfrm>
+      </p:grpSpPr>
+      <p:sp>
+        <p:nvSpPr>
+          <p:cNvPr id="2" name="제목 1">
+            <a:extLst>
+              <a:ext uri="{FF2B5EF4-FFF2-40B4-BE49-F238E27FC236}">
+                <a16:creationId xmlns:a16="http://schemas.microsoft.com/office/drawing/2014/main" id="{228E31BA-B9DE-2D49-0F1E-53788076404E}"/>
+              </a:ext>
+            </a:extLst>
+          </p:cNvPr>
+          <p:cNvSpPr>
+            <a:spLocks noGrp="1"/>
+          </p:cNvSpPr>
+          <p:nvPr>
+            <p:ph type="title"/>
+          </p:nvPr>
+        </p:nvSpPr>
+        <p:spPr/>
+        <p:txBody>
+          <a:bodyPr/>
+          <a:lstStyle/>
+          <a:p>
+            <a:endParaRPr lang="ko-KR" altLang="en-US"/>
+          </a:p>
+        </p:txBody>
+      </p:sp>
+      <p:pic>
+        <p:nvPicPr>
+          <p:cNvPr id="5" name="내용 개체 틀 4" descr="텍스트, 폰트, 스크린샷이(가) 표시된 사진&#10;&#10;AI 생성 콘텐츠는 정확하지 않을 수 있습니다.">
+            <a:extLst>
+              <a:ext uri="{FF2B5EF4-FFF2-40B4-BE49-F238E27FC236}">
+                <a16:creationId xmlns:a16="http://schemas.microsoft.com/office/drawing/2014/main" id="{D7A22293-64A2-0B0D-12EC-8BFC7859F588}"/>
+              </a:ext>
+            </a:extLst>
+          </p:cNvPr>
+          <p:cNvPicPr>
+            <a:picLocks noGrp="1" noChangeAspect="1"/>
+          </p:cNvPicPr>
+          <p:nvPr>
+            <p:ph idx="1"/>
+          </p:nvPr>
+        </p:nvPicPr>
+        <p:blipFill>
+          <a:blip r:embed="rId2"/>
+          <a:srcRect r="422" b="2220"/>
+          <a:stretch>
+            <a:fillRect/>
+          </a:stretch>
+        </p:blipFill>
+        <p:spPr>
+          <a:xfrm>
+            <a:off x="838200" y="1778794"/>
+            <a:ext cx="10471150" cy="1713706"/>
+          </a:xfrm>
+          <a:prstGeom prst="rect">
+            <a:avLst/>
+          </a:prstGeom>
+        </p:spPr>
+      </p:pic>
+      <p:pic>
+        <p:nvPicPr>
+          <p:cNvPr id="7" name="그림 6" descr="텍스트, 스크린샷, 소프트웨어, 번호이(가) 표시된 사진&#10;&#10;AI 생성 콘텐츠는 정확하지 않을 수 있습니다.">
+            <a:extLst>
+              <a:ext uri="{FF2B5EF4-FFF2-40B4-BE49-F238E27FC236}">
+                <a16:creationId xmlns:a16="http://schemas.microsoft.com/office/drawing/2014/main" id="{0D6E2B52-6332-D413-B87C-DE0BC7E71861}"/>
+              </a:ext>
+            </a:extLst>
+          </p:cNvPr>
+          <p:cNvPicPr>
+            <a:picLocks noChangeAspect="1"/>
+          </p:cNvPicPr>
+          <p:nvPr/>
+        </p:nvPicPr>
+        <p:blipFill>
+          <a:blip r:embed="rId3"/>
+          <a:stretch>
+            <a:fillRect/>
+          </a:stretch>
+        </p:blipFill>
+        <p:spPr>
+          <a:xfrm>
+            <a:off x="838200" y="3492500"/>
+            <a:ext cx="8431966" cy="3000375"/>
+          </a:xfrm>
+          <a:prstGeom prst="rect">
+            <a:avLst/>
+          </a:prstGeom>
+        </p:spPr>
+      </p:pic>
+    </p:spTree>
+    <p:extLst>
+      <p:ext uri="{BB962C8B-B14F-4D97-AF65-F5344CB8AC3E}">
+        <p14:creationId xmlns:p14="http://schemas.microsoft.com/office/powerpoint/2010/main" val="3325660806"/>
+      </p:ext>
+    </p:extLst>
+  </p:cSld>
+  <p:clrMapOvr>
+    <a:masterClrMapping/>
+  </p:clrMapOvr>
+</p:sld>
+</file>
+
+<file path=ppt/slides/slide12.xml><?xml version="1.0" encoding="utf-8"?>
+<p:sld xmlns:a="http://schemas.openxmlformats.org/drawingml/2006/main" xmlns:r="http://schemas.openxmlformats.org/officeDocument/2006/relationships" xmlns:p="http://schemas.openxmlformats.org/presentationml/2006/main">
+  <p:cSld>
+    <p:spTree>
+      <p:nvGrpSpPr>
+        <p:cNvPr id="1" name=""/>
+        <p:cNvGrpSpPr/>
+        <p:nvPr/>
+      </p:nvGrpSpPr>
+      <p:grpSpPr>
+        <a:xfrm>
+          <a:off x="0" y="0"/>
+          <a:ext cx="0" cy="0"/>
+          <a:chOff x="0" y="0"/>
+          <a:chExt cx="0" cy="0"/>
+        </a:xfrm>
+      </p:grpSpPr>
+      <p:sp>
+        <p:nvSpPr>
+          <p:cNvPr id="2" name="제목 1">
+            <a:extLst>
+              <a:ext uri="{FF2B5EF4-FFF2-40B4-BE49-F238E27FC236}">
+                <a16:creationId xmlns:a16="http://schemas.microsoft.com/office/drawing/2014/main" id="{13B54D0B-A4EC-B918-7604-BFFB7AB07A7D}"/>
+              </a:ext>
+            </a:extLst>
+          </p:cNvPr>
+          <p:cNvSpPr>
+            <a:spLocks noGrp="1"/>
+          </p:cNvSpPr>
+          <p:nvPr>
+            <p:ph type="title"/>
+          </p:nvPr>
+        </p:nvSpPr>
+        <p:spPr/>
+        <p:txBody>
+          <a:bodyPr/>
+          <a:lstStyle/>
+          <a:p>
+            <a:r>
+              <a:rPr lang="ko-KR" altLang="en-US" dirty="0"/>
+              <a:t>명령어</a:t>
+            </a:r>
+          </a:p>
+        </p:txBody>
+      </p:sp>
+      <p:sp>
+        <p:nvSpPr>
+          <p:cNvPr id="6" name="내용 개체 틀 5">
+            <a:extLst>
+              <a:ext uri="{FF2B5EF4-FFF2-40B4-BE49-F238E27FC236}">
+                <a16:creationId xmlns:a16="http://schemas.microsoft.com/office/drawing/2014/main" id="{E774B7E5-5545-6F15-39FC-564FA2A8345F}"/>
+              </a:ext>
+            </a:extLst>
+          </p:cNvPr>
+          <p:cNvSpPr>
+            <a:spLocks noGrp="1"/>
+          </p:cNvSpPr>
+          <p:nvPr>
+            <p:ph idx="1"/>
+          </p:nvPr>
+        </p:nvSpPr>
+        <p:spPr/>
+        <p:txBody>
+          <a:bodyPr/>
+          <a:lstStyle/>
+          <a:p>
+            <a:r>
+              <a:rPr lang="ko-KR" altLang="en-US" dirty="0" err="1"/>
+              <a:t>커밋</a:t>
+            </a:r>
+            <a:r>
+              <a:rPr lang="ko-KR" altLang="en-US" dirty="0"/>
+              <a:t> </a:t>
+            </a:r>
+            <a:r>
+              <a:rPr lang="en-US" altLang="ko-KR" dirty="0"/>
+              <a:t>-&gt; </a:t>
+            </a:r>
+            <a:r>
+              <a:rPr lang="ko-KR" altLang="en-US" dirty="0"/>
+              <a:t>내 </a:t>
+            </a:r>
+            <a:r>
+              <a:rPr lang="en-US" altLang="ko-KR" dirty="0"/>
+              <a:t>PC</a:t>
+            </a:r>
+            <a:r>
+              <a:rPr lang="ko-KR" altLang="en-US" dirty="0"/>
+              <a:t>의 파일을 로컬 </a:t>
+            </a:r>
+            <a:r>
+              <a:rPr lang="en-US" altLang="ko-KR" dirty="0"/>
+              <a:t>git</a:t>
+            </a:r>
+            <a:r>
+              <a:rPr lang="ko-KR" altLang="en-US" dirty="0"/>
+              <a:t>에 저장</a:t>
+            </a:r>
+            <a:endParaRPr lang="en-US" altLang="ko-KR" dirty="0"/>
+          </a:p>
+          <a:p>
+            <a:r>
+              <a:rPr lang="en-US" altLang="ko-KR" dirty="0"/>
+              <a:t>Pull -&gt; </a:t>
+            </a:r>
+            <a:r>
+              <a:rPr lang="ko-KR" altLang="en-US" dirty="0"/>
+              <a:t>원격 소스를 내 로컬로 끌어당기기</a:t>
+            </a:r>
+            <a:r>
+              <a:rPr lang="en-US" altLang="ko-KR" dirty="0"/>
+              <a:t>.</a:t>
+            </a:r>
+          </a:p>
+          <a:p>
+            <a:r>
+              <a:rPr lang="en-US" altLang="ko-KR" dirty="0"/>
+              <a:t>Push -&gt; </a:t>
+            </a:r>
+            <a:r>
+              <a:rPr lang="ko-KR" altLang="en-US" dirty="0"/>
+              <a:t>로컬 소스를 원격으로 올리기</a:t>
+            </a:r>
+            <a:r>
+              <a:rPr lang="en-US" altLang="ko-KR" dirty="0"/>
+              <a:t>.</a:t>
+            </a:r>
+          </a:p>
+          <a:p>
+            <a:endParaRPr lang="en-US" altLang="ko-KR" dirty="0"/>
+          </a:p>
+          <a:p>
+            <a:pPr marL="0" indent="0">
+              <a:buNone/>
+            </a:pPr>
+            <a:r>
+              <a:rPr lang="en-US" altLang="ko-KR" dirty="0"/>
+              <a:t>Pull -&gt; Commit</a:t>
+            </a:r>
+            <a:r>
+              <a:rPr lang="ko-KR" altLang="en-US" dirty="0"/>
+              <a:t> </a:t>
+            </a:r>
+            <a:r>
+              <a:rPr lang="en-US" altLang="ko-KR" dirty="0"/>
+              <a:t>-&gt;</a:t>
+            </a:r>
+            <a:r>
+              <a:rPr lang="ko-KR" altLang="en-US" dirty="0"/>
+              <a:t> </a:t>
+            </a:r>
+            <a:r>
+              <a:rPr lang="en-US" altLang="ko-KR" dirty="0"/>
+              <a:t>Push </a:t>
+            </a:r>
+            <a:r>
+              <a:rPr lang="ko-KR" altLang="en-US" dirty="0"/>
+              <a:t>순서</a:t>
+            </a:r>
+            <a:endParaRPr lang="en-US" altLang="ko-KR" dirty="0"/>
+          </a:p>
+          <a:p>
+            <a:endParaRPr lang="en-US" altLang="ko-KR" dirty="0"/>
+          </a:p>
+          <a:p>
+            <a:r>
+              <a:rPr lang="ko-KR" altLang="en-US" dirty="0"/>
+              <a:t>패치</a:t>
+            </a:r>
+            <a:r>
+              <a:rPr lang="en-US" altLang="ko-KR" dirty="0"/>
+              <a:t>(History </a:t>
+            </a:r>
+            <a:r>
+              <a:rPr lang="ko-KR" altLang="en-US" dirty="0"/>
+              <a:t>수정이력 만 가지고 옴</a:t>
+            </a:r>
+            <a:r>
+              <a:rPr lang="en-US" altLang="ko-KR" dirty="0"/>
+              <a:t>)</a:t>
+            </a:r>
+            <a:endParaRPr lang="ko-KR" altLang="en-US" dirty="0"/>
+          </a:p>
+        </p:txBody>
+      </p:sp>
+      <p:sp>
+        <p:nvSpPr>
+          <p:cNvPr id="7" name="직사각형 6">
+            <a:extLst>
+              <a:ext uri="{FF2B5EF4-FFF2-40B4-BE49-F238E27FC236}">
+                <a16:creationId xmlns:a16="http://schemas.microsoft.com/office/drawing/2014/main" id="{53AC82E6-377F-7CD1-4C13-0E252A0F326D}"/>
+              </a:ext>
+            </a:extLst>
+          </p:cNvPr>
+          <p:cNvSpPr/>
+          <p:nvPr/>
+        </p:nvSpPr>
+        <p:spPr>
+          <a:xfrm>
+            <a:off x="704850" y="3765550"/>
+            <a:ext cx="5892800" cy="660400"/>
+          </a:xfrm>
+          <a:prstGeom prst="rect">
+            <a:avLst/>
+          </a:prstGeom>
+          <a:noFill/>
+          <a:ln w="38100">
+            <a:solidFill>
+              <a:schemeClr val="accent5"/>
+            </a:solidFill>
+          </a:ln>
+        </p:spPr>
+        <p:style>
+          <a:lnRef idx="2">
+            <a:schemeClr val="accent1">
+              <a:shade val="15000"/>
+            </a:schemeClr>
+          </a:lnRef>
+          <a:fillRef idx="1">
+            <a:schemeClr val="accent1"/>
+          </a:fillRef>
+          <a:effectRef idx="0">
+            <a:schemeClr val="accent1"/>
+          </a:effectRef>
+          <a:fontRef idx="minor">
+            <a:schemeClr val="lt1"/>
+          </a:fontRef>
+        </p:style>
+        <p:txBody>
+          <a:bodyPr rtlCol="0" anchor="ctr"/>
+          <a:lstStyle/>
+          <a:p>
+            <a:pPr algn="ctr"/>
+            <a:endParaRPr lang="ko-KR" altLang="en-US"/>
+          </a:p>
+        </p:txBody>
+      </p:sp>
+    </p:spTree>
+    <p:extLst>
+      <p:ext uri="{BB962C8B-B14F-4D97-AF65-F5344CB8AC3E}">
+        <p14:creationId xmlns:p14="http://schemas.microsoft.com/office/powerpoint/2010/main" val="2864481404"/>
+      </p:ext>
+    </p:extLst>
+  </p:cSld>
+  <p:clrMapOvr>
+    <a:masterClrMapping/>
+  </p:clrMapOvr>
+</p:sld>
+</file>
+
+<file path=ppt/slides/slide13.xml><?xml version="1.0" encoding="utf-8"?>
+<p:sld xmlns:a="http://schemas.openxmlformats.org/drawingml/2006/main" xmlns:r="http://schemas.openxmlformats.org/officeDocument/2006/relationships" xmlns:p="http://schemas.openxmlformats.org/presentationml/2006/main">
+  <p:cSld>
+    <p:spTree>
+      <p:nvGrpSpPr>
+        <p:cNvPr id="1" name=""/>
+        <p:cNvGrpSpPr/>
+        <p:nvPr/>
+      </p:nvGrpSpPr>
+      <p:grpSpPr>
+        <a:xfrm>
+          <a:off x="0" y="0"/>
+          <a:ext cx="0" cy="0"/>
+          <a:chOff x="0" y="0"/>
+          <a:chExt cx="0" cy="0"/>
+        </a:xfrm>
+      </p:grpSpPr>
+      <p:sp>
+        <p:nvSpPr>
+          <p:cNvPr id="2" name="제목 1">
+            <a:extLst>
+              <a:ext uri="{FF2B5EF4-FFF2-40B4-BE49-F238E27FC236}">
+                <a16:creationId xmlns:a16="http://schemas.microsoft.com/office/drawing/2014/main" id="{16512D4C-FAA0-67DC-A95D-C6A08DE1F796}"/>
+              </a:ext>
+            </a:extLst>
+          </p:cNvPr>
+          <p:cNvSpPr>
+            <a:spLocks noGrp="1"/>
+          </p:cNvSpPr>
+          <p:nvPr>
+            <p:ph type="title"/>
+          </p:nvPr>
+        </p:nvSpPr>
+        <p:spPr/>
+        <p:txBody>
+          <a:bodyPr/>
+          <a:lstStyle/>
+          <a:p>
+            <a:r>
+              <a:rPr lang="ko-KR" altLang="en-US" dirty="0"/>
+              <a:t>커밋하는 방법</a:t>
+            </a:r>
+          </a:p>
+        </p:txBody>
+      </p:sp>
+      <p:pic>
+        <p:nvPicPr>
+          <p:cNvPr id="5" name="내용 개체 틀 4" descr="텍스트, 소프트웨어, 번호, 스크린샷이(가) 표시된 사진&#10;&#10;AI 생성 콘텐츠는 정확하지 않을 수 있습니다.">
+            <a:extLst>
+              <a:ext uri="{FF2B5EF4-FFF2-40B4-BE49-F238E27FC236}">
+                <a16:creationId xmlns:a16="http://schemas.microsoft.com/office/drawing/2014/main" id="{BD283BF3-212A-B833-D203-0711EE22C9B3}"/>
+              </a:ext>
+            </a:extLst>
+          </p:cNvPr>
+          <p:cNvPicPr>
+            <a:picLocks noGrp="1" noChangeAspect="1"/>
+          </p:cNvPicPr>
+          <p:nvPr>
+            <p:ph idx="1"/>
+          </p:nvPr>
+        </p:nvPicPr>
+        <p:blipFill>
+          <a:blip r:embed="rId2"/>
+          <a:stretch>
+            <a:fillRect/>
+          </a:stretch>
+        </p:blipFill>
+        <p:spPr>
+          <a:xfrm>
+            <a:off x="1212987" y="1825625"/>
+            <a:ext cx="9766025" cy="4351338"/>
+          </a:xfrm>
+          <a:prstGeom prst="rect">
+            <a:avLst/>
+          </a:prstGeom>
+        </p:spPr>
+      </p:pic>
+      <p:sp>
+        <p:nvSpPr>
+          <p:cNvPr id="7" name="직사각형 6">
+            <a:extLst>
+              <a:ext uri="{FF2B5EF4-FFF2-40B4-BE49-F238E27FC236}">
+                <a16:creationId xmlns:a16="http://schemas.microsoft.com/office/drawing/2014/main" id="{041268FC-9B0D-CFA7-4AFF-5E02E31F2E39}"/>
+              </a:ext>
+            </a:extLst>
+          </p:cNvPr>
+          <p:cNvSpPr/>
+          <p:nvPr/>
+        </p:nvSpPr>
+        <p:spPr>
+          <a:xfrm>
+            <a:off x="4838700" y="3644900"/>
+            <a:ext cx="1257300" cy="254000"/>
+          </a:xfrm>
+          <a:prstGeom prst="rect">
+            <a:avLst/>
+          </a:prstGeom>
+          <a:noFill/>
+          <a:ln w="38100">
+            <a:solidFill>
+              <a:srgbClr val="FF0000"/>
+            </a:solidFill>
+          </a:ln>
+        </p:spPr>
+        <p:style>
+          <a:lnRef idx="2">
+            <a:schemeClr val="accent1">
+              <a:shade val="15000"/>
+            </a:schemeClr>
+          </a:lnRef>
+          <a:fillRef idx="1">
+            <a:schemeClr val="accent1"/>
+          </a:fillRef>
+          <a:effectRef idx="0">
+            <a:schemeClr val="accent1"/>
+          </a:effectRef>
+          <a:fontRef idx="minor">
+            <a:schemeClr val="lt1"/>
+          </a:fontRef>
+        </p:style>
+        <p:txBody>
+          <a:bodyPr rtlCol="0" anchor="ctr"/>
+          <a:lstStyle/>
+          <a:p>
+            <a:pPr algn="ctr"/>
+            <a:endParaRPr lang="ko-KR" altLang="en-US"/>
+          </a:p>
+        </p:txBody>
+      </p:sp>
+      <p:cxnSp>
+        <p:nvCxnSpPr>
+          <p:cNvPr id="9" name="직선 화살표 연결선 8">
+            <a:extLst>
+              <a:ext uri="{FF2B5EF4-FFF2-40B4-BE49-F238E27FC236}">
+                <a16:creationId xmlns:a16="http://schemas.microsoft.com/office/drawing/2014/main" id="{84C76807-8C75-A2A0-36C3-82FFADBA5353}"/>
+              </a:ext>
+            </a:extLst>
+          </p:cNvPr>
+          <p:cNvCxnSpPr/>
+          <p:nvPr/>
+        </p:nvCxnSpPr>
+        <p:spPr>
+          <a:xfrm flipV="1">
+            <a:off x="2159000" y="2406650"/>
+            <a:ext cx="0" cy="1549400"/>
+          </a:xfrm>
+          <a:prstGeom prst="straightConnector1">
+            <a:avLst/>
+          </a:prstGeom>
+          <a:ln>
+            <a:tailEnd type="triangle"/>
+          </a:ln>
+        </p:spPr>
+        <p:style>
+          <a:lnRef idx="1">
+            <a:schemeClr val="accent1"/>
+          </a:lnRef>
+          <a:fillRef idx="0">
+            <a:schemeClr val="accent1"/>
+          </a:fillRef>
+          <a:effectRef idx="0">
+            <a:schemeClr val="accent1"/>
+          </a:effectRef>
+          <a:fontRef idx="minor">
+            <a:schemeClr val="tx1"/>
+          </a:fontRef>
+        </p:style>
+      </p:cxnSp>
+      <p:pic>
+        <p:nvPicPr>
+          <p:cNvPr id="12" name="그림 11">
+            <a:extLst>
+              <a:ext uri="{FF2B5EF4-FFF2-40B4-BE49-F238E27FC236}">
+                <a16:creationId xmlns:a16="http://schemas.microsoft.com/office/drawing/2014/main" id="{40DEF623-F1B8-5B47-E15D-4BE0F50A9A53}"/>
+              </a:ext>
+            </a:extLst>
+          </p:cNvPr>
+          <p:cNvPicPr>
+            <a:picLocks noChangeAspect="1"/>
+          </p:cNvPicPr>
+          <p:nvPr/>
+        </p:nvPicPr>
+        <p:blipFill>
+          <a:blip r:embed="rId3"/>
+          <a:stretch>
+            <a:fillRect/>
+          </a:stretch>
+        </p:blipFill>
+        <p:spPr>
+          <a:xfrm>
+            <a:off x="1212987" y="3898900"/>
+            <a:ext cx="2120761" cy="141384"/>
+          </a:xfrm>
+          <a:prstGeom prst="rect">
+            <a:avLst/>
+          </a:prstGeom>
+        </p:spPr>
+      </p:pic>
+      <p:sp>
+        <p:nvSpPr>
+          <p:cNvPr id="13" name="TextBox 12">
+            <a:extLst>
+              <a:ext uri="{FF2B5EF4-FFF2-40B4-BE49-F238E27FC236}">
+                <a16:creationId xmlns:a16="http://schemas.microsoft.com/office/drawing/2014/main" id="{3303EBF6-8705-EA1D-CBDA-CDFC50E09DCF}"/>
+              </a:ext>
+            </a:extLst>
+          </p:cNvPr>
+          <p:cNvSpPr txBox="1"/>
+          <p:nvPr/>
+        </p:nvSpPr>
+        <p:spPr>
+          <a:xfrm>
+            <a:off x="2875246" y="4068435"/>
+            <a:ext cx="3220753" cy="646331"/>
+          </a:xfrm>
+          <a:prstGeom prst="rect">
+            <a:avLst/>
+          </a:prstGeom>
+          <a:noFill/>
+        </p:spPr>
+        <p:txBody>
+          <a:bodyPr wrap="none" rtlCol="0">
+            <a:spAutoFit/>
+          </a:bodyPr>
+          <a:lstStyle/>
+          <a:p>
+            <a:r>
+              <a:rPr lang="en-US" altLang="ko-KR" dirty="0"/>
+              <a:t>1. </a:t>
+            </a:r>
+            <a:r>
+              <a:rPr lang="ko-KR" altLang="en-US" dirty="0" err="1"/>
+              <a:t>커밋</a:t>
+            </a:r>
+            <a:r>
+              <a:rPr lang="en-US" altLang="ko-KR" dirty="0"/>
+              <a:t>(</a:t>
+            </a:r>
+            <a:r>
+              <a:rPr lang="ko-KR" altLang="en-US" dirty="0"/>
+              <a:t>업로드</a:t>
+            </a:r>
+            <a:r>
+              <a:rPr lang="en-US" altLang="ko-KR" dirty="0"/>
+              <a:t>) </a:t>
+            </a:r>
+            <a:r>
+              <a:rPr lang="ko-KR" altLang="en-US" dirty="0"/>
+              <a:t>파일 선택 후 </a:t>
+            </a:r>
+            <a:br>
+              <a:rPr lang="en-US" altLang="ko-KR" dirty="0"/>
+            </a:br>
+            <a:r>
+              <a:rPr lang="ko-KR" altLang="en-US" dirty="0"/>
+              <a:t>선택 내용 스테이지에 올리기</a:t>
+            </a:r>
+          </a:p>
+        </p:txBody>
+      </p:sp>
+      <p:sp>
+        <p:nvSpPr>
+          <p:cNvPr id="14" name="TextBox 13">
+            <a:extLst>
+              <a:ext uri="{FF2B5EF4-FFF2-40B4-BE49-F238E27FC236}">
+                <a16:creationId xmlns:a16="http://schemas.microsoft.com/office/drawing/2014/main" id="{3209E697-89D0-856C-D644-3EA214F35204}"/>
+              </a:ext>
+            </a:extLst>
+          </p:cNvPr>
+          <p:cNvSpPr txBox="1"/>
+          <p:nvPr/>
+        </p:nvSpPr>
+        <p:spPr>
+          <a:xfrm>
+            <a:off x="2875246" y="5530632"/>
+            <a:ext cx="1992853" cy="369332"/>
+          </a:xfrm>
+          <a:prstGeom prst="rect">
+            <a:avLst/>
+          </a:prstGeom>
+          <a:noFill/>
+        </p:spPr>
+        <p:txBody>
+          <a:bodyPr wrap="none" rtlCol="0">
+            <a:spAutoFit/>
+          </a:bodyPr>
+          <a:lstStyle/>
+          <a:p>
+            <a:r>
+              <a:rPr lang="en-US" altLang="ko-KR" dirty="0"/>
+              <a:t>2. </a:t>
+            </a:r>
+            <a:r>
+              <a:rPr lang="ko-KR" altLang="en-US" dirty="0" err="1"/>
+              <a:t>커밋</a:t>
+            </a:r>
+            <a:r>
+              <a:rPr lang="ko-KR" altLang="en-US" dirty="0"/>
+              <a:t> 내용 입력</a:t>
+            </a:r>
+          </a:p>
+        </p:txBody>
+      </p:sp>
+      <p:sp>
+        <p:nvSpPr>
+          <p:cNvPr id="17" name="TextBox 16">
+            <a:extLst>
+              <a:ext uri="{FF2B5EF4-FFF2-40B4-BE49-F238E27FC236}">
+                <a16:creationId xmlns:a16="http://schemas.microsoft.com/office/drawing/2014/main" id="{B5AE070A-CDF5-785A-60F9-8B61B1DF10A4}"/>
+              </a:ext>
+            </a:extLst>
+          </p:cNvPr>
+          <p:cNvSpPr txBox="1"/>
+          <p:nvPr/>
+        </p:nvSpPr>
+        <p:spPr>
+          <a:xfrm>
+            <a:off x="9688796" y="6183095"/>
+            <a:ext cx="1992853" cy="369332"/>
+          </a:xfrm>
+          <a:prstGeom prst="rect">
+            <a:avLst/>
+          </a:prstGeom>
+          <a:noFill/>
+        </p:spPr>
+        <p:txBody>
+          <a:bodyPr wrap="none" rtlCol="0">
+            <a:spAutoFit/>
+          </a:bodyPr>
+          <a:lstStyle/>
+          <a:p>
+            <a:r>
+              <a:rPr lang="en-US" altLang="ko-KR" dirty="0"/>
+              <a:t>3. </a:t>
+            </a:r>
+            <a:r>
+              <a:rPr lang="ko-KR" altLang="en-US" dirty="0" err="1"/>
+              <a:t>커밋</a:t>
+            </a:r>
+            <a:r>
+              <a:rPr lang="ko-KR" altLang="en-US" dirty="0"/>
+              <a:t> 버튼 클릭</a:t>
+            </a:r>
+          </a:p>
+        </p:txBody>
+      </p:sp>
+      <p:sp>
+        <p:nvSpPr>
+          <p:cNvPr id="18" name="직사각형 17">
+            <a:extLst>
+              <a:ext uri="{FF2B5EF4-FFF2-40B4-BE49-F238E27FC236}">
+                <a16:creationId xmlns:a16="http://schemas.microsoft.com/office/drawing/2014/main" id="{3E3EF7BF-1195-61CE-6835-8F26EC882766}"/>
+              </a:ext>
+            </a:extLst>
+          </p:cNvPr>
+          <p:cNvSpPr/>
+          <p:nvPr/>
+        </p:nvSpPr>
+        <p:spPr>
+          <a:xfrm>
+            <a:off x="1415466" y="5530632"/>
+            <a:ext cx="4051883" cy="470118"/>
+          </a:xfrm>
+          <a:prstGeom prst="rect">
+            <a:avLst/>
+          </a:prstGeom>
+          <a:noFill/>
+          <a:ln w="38100">
+            <a:solidFill>
+              <a:srgbClr val="FF0000"/>
+            </a:solidFill>
+          </a:ln>
+        </p:spPr>
+        <p:style>
+          <a:lnRef idx="2">
+            <a:schemeClr val="accent1">
+              <a:shade val="15000"/>
+            </a:schemeClr>
+          </a:lnRef>
+          <a:fillRef idx="1">
+            <a:schemeClr val="accent1"/>
+          </a:fillRef>
+          <a:effectRef idx="0">
+            <a:schemeClr val="accent1"/>
+          </a:effectRef>
+          <a:fontRef idx="minor">
+            <a:schemeClr val="lt1"/>
+          </a:fontRef>
+        </p:style>
+        <p:txBody>
+          <a:bodyPr rtlCol="0" anchor="ctr"/>
+          <a:lstStyle/>
+          <a:p>
+            <a:pPr algn="ctr"/>
+            <a:endParaRPr lang="ko-KR" altLang="en-US"/>
+          </a:p>
+        </p:txBody>
+      </p:sp>
+      <p:sp>
+        <p:nvSpPr>
+          <p:cNvPr id="19" name="직사각형 18">
+            <a:extLst>
+              <a:ext uri="{FF2B5EF4-FFF2-40B4-BE49-F238E27FC236}">
+                <a16:creationId xmlns:a16="http://schemas.microsoft.com/office/drawing/2014/main" id="{E7A14291-8828-3706-F813-79B62F6AA49E}"/>
+              </a:ext>
+            </a:extLst>
+          </p:cNvPr>
+          <p:cNvSpPr/>
+          <p:nvPr/>
+        </p:nvSpPr>
+        <p:spPr>
+          <a:xfrm>
+            <a:off x="10388600" y="5949949"/>
+            <a:ext cx="583924" cy="227013"/>
+          </a:xfrm>
+          <a:prstGeom prst="rect">
+            <a:avLst/>
+          </a:prstGeom>
+          <a:noFill/>
+          <a:ln w="38100">
+            <a:solidFill>
+              <a:srgbClr val="FF0000"/>
+            </a:solidFill>
+          </a:ln>
+        </p:spPr>
+        <p:style>
+          <a:lnRef idx="2">
+            <a:schemeClr val="accent1">
+              <a:shade val="15000"/>
+            </a:schemeClr>
+          </a:lnRef>
+          <a:fillRef idx="1">
+            <a:schemeClr val="accent1"/>
+          </a:fillRef>
+          <a:effectRef idx="0">
+            <a:schemeClr val="accent1"/>
+          </a:effectRef>
+          <a:fontRef idx="minor">
+            <a:schemeClr val="lt1"/>
+          </a:fontRef>
+        </p:style>
+        <p:txBody>
+          <a:bodyPr rtlCol="0" anchor="ctr"/>
+          <a:lstStyle/>
+          <a:p>
+            <a:pPr algn="ctr"/>
+            <a:endParaRPr lang="ko-KR" altLang="en-US"/>
+          </a:p>
+        </p:txBody>
+      </p:sp>
+    </p:spTree>
+    <p:extLst>
+      <p:ext uri="{BB962C8B-B14F-4D97-AF65-F5344CB8AC3E}">
+        <p14:creationId xmlns:p14="http://schemas.microsoft.com/office/powerpoint/2010/main" val="1363580503"/>
+      </p:ext>
+    </p:extLst>
+  </p:cSld>
+  <p:clrMapOvr>
+    <a:masterClrMapping/>
+  </p:clrMapOvr>
+</p:sld>
+</file>
+
 <file path=ppt/slides/slide2.xml><?xml version="1.0" encoding="utf-8"?>
 <p:sld xmlns:a="http://schemas.openxmlformats.org/drawingml/2006/main" xmlns:r="http://schemas.openxmlformats.org/officeDocument/2006/relationships" xmlns:p="http://schemas.openxmlformats.org/presentationml/2006/main">
   <p:cSld>
@@ -3042,7 +4358,7 @@
           <a:bodyPr/>
           <a:lstStyle/>
           <a:p>
-            <a:endParaRPr lang="ko-KR" altLang="en-US"/>
+            <a:endParaRPr lang="ko-KR" altLang="en-US" dirty="0"/>
           </a:p>
         </p:txBody>
       </p:sp>
@@ -3064,7 +4380,7 @@
         </p:blipFill>
         <p:spPr>
           <a:xfrm>
-            <a:off x="2206419" y="1825625"/>
+            <a:off x="2206419" y="2060020"/>
             <a:ext cx="7779161" cy="4351338"/>
           </a:xfrm>
           <a:prstGeom prst="rect">
@@ -3072,6 +4388,103 @@
           </a:prstGeom>
         </p:spPr>
       </p:pic>
+      <p:sp>
+        <p:nvSpPr>
+          <p:cNvPr id="3" name="TextBox 2">
+            <a:extLst>
+              <a:ext uri="{FF2B5EF4-FFF2-40B4-BE49-F238E27FC236}">
+                <a16:creationId xmlns:a16="http://schemas.microsoft.com/office/drawing/2014/main" id="{C2424E50-764C-A63D-3627-0B50FAF3D79A}"/>
+              </a:ext>
+            </a:extLst>
+          </p:cNvPr>
+          <p:cNvSpPr txBox="1"/>
+          <p:nvPr/>
+        </p:nvSpPr>
+        <p:spPr>
+          <a:xfrm>
+            <a:off x="838200" y="1690688"/>
+            <a:ext cx="5343450" cy="369332"/>
+          </a:xfrm>
+          <a:prstGeom prst="rect">
+            <a:avLst/>
+          </a:prstGeom>
+          <a:noFill/>
+        </p:spPr>
+        <p:txBody>
+          <a:bodyPr wrap="none" rtlCol="0">
+            <a:spAutoFit/>
+          </a:bodyPr>
+          <a:lstStyle/>
+          <a:p>
+            <a:r>
+              <a:rPr lang="en-US" altLang="ko-KR" dirty="0">
+                <a:hlinkClick r:id="rId3"/>
+              </a:rPr>
+              <a:t>https://www.sourcetreeapp.com</a:t>
+            </a:r>
+            <a:r>
+              <a:rPr lang="en-US" altLang="ko-KR" dirty="0"/>
+              <a:t> </a:t>
+            </a:r>
+            <a:r>
+              <a:rPr lang="ko-KR" altLang="en-US" dirty="0"/>
+              <a:t>접속 및 다운로드</a:t>
+            </a:r>
+          </a:p>
+        </p:txBody>
+      </p:sp>
+      <p:sp>
+        <p:nvSpPr>
+          <p:cNvPr id="5" name="직사각형 4">
+            <a:extLst>
+              <a:ext uri="{FF2B5EF4-FFF2-40B4-BE49-F238E27FC236}">
+                <a16:creationId xmlns:a16="http://schemas.microsoft.com/office/drawing/2014/main" id="{EB04BF93-125E-9615-21A9-EEEA36568604}"/>
+              </a:ext>
+            </a:extLst>
+          </p:cNvPr>
+          <p:cNvSpPr/>
+          <p:nvPr/>
+        </p:nvSpPr>
+        <p:spPr>
+          <a:xfrm>
+            <a:off x="2279650" y="4584700"/>
+            <a:ext cx="1879600" cy="444500"/>
+          </a:xfrm>
+          <a:prstGeom prst="rect">
+            <a:avLst/>
+          </a:prstGeom>
+          <a:noFill/>
+          <a:ln w="38100">
+            <a:solidFill>
+              <a:srgbClr val="FF0000"/>
+            </a:solidFill>
+          </a:ln>
+        </p:spPr>
+        <p:style>
+          <a:lnRef idx="2">
+            <a:schemeClr val="accent1">
+              <a:shade val="15000"/>
+            </a:schemeClr>
+          </a:lnRef>
+          <a:fillRef idx="1">
+            <a:schemeClr val="accent1"/>
+          </a:fillRef>
+          <a:effectRef idx="0">
+            <a:schemeClr val="accent1"/>
+          </a:effectRef>
+          <a:fontRef idx="minor">
+            <a:schemeClr val="lt1"/>
+          </a:fontRef>
+        </p:style>
+        <p:txBody>
+          <a:bodyPr rtlCol="0" anchor="ctr"/>
+          <a:lstStyle/>
+          <a:p>
+            <a:pPr algn="ctr"/>
+            <a:endParaRPr lang="ko-KR" altLang="en-US"/>
+          </a:p>
+        </p:txBody>
+      </p:sp>
     </p:spTree>
     <p:extLst>
       <p:ext uri="{BB962C8B-B14F-4D97-AF65-F5344CB8AC3E}">
@@ -3104,7 +4517,13 @@
       </p:grpSpPr>
       <p:sp>
         <p:nvSpPr>
-          <p:cNvPr id="2" name="제목 1"/>
+          <p:cNvPr id="2" name="제목 1">
+            <a:extLst>
+              <a:ext uri="{FF2B5EF4-FFF2-40B4-BE49-F238E27FC236}">
+                <a16:creationId xmlns:a16="http://schemas.microsoft.com/office/drawing/2014/main" id="{06190390-4B5B-363D-D74D-2D1AF3AAE9F9}"/>
+              </a:ext>
+            </a:extLst>
+          </p:cNvPr>
           <p:cNvSpPr>
             <a:spLocks noGrp="1"/>
           </p:cNvSpPr>
@@ -3123,7 +4542,13 @@
       </p:sp>
       <p:pic>
         <p:nvPicPr>
-          <p:cNvPr id="7" name="내용 개체 틀 6"/>
+          <p:cNvPr id="5" name="내용 개체 틀 4" descr="텍스트, 스크린샷, 폰트, 번호이(가) 표시된 사진&#10;&#10;AI 생성 콘텐츠는 정확하지 않을 수 있습니다.">
+            <a:extLst>
+              <a:ext uri="{FF2B5EF4-FFF2-40B4-BE49-F238E27FC236}">
+                <a16:creationId xmlns:a16="http://schemas.microsoft.com/office/drawing/2014/main" id="{4D4BBDA9-1FF9-A5AA-4512-A7D441C28603}"/>
+              </a:ext>
+            </a:extLst>
+          </p:cNvPr>
           <p:cNvPicPr>
             <a:picLocks noGrp="1" noChangeAspect="1"/>
           </p:cNvPicPr>
@@ -3133,24 +4558,134 @@
         </p:nvPicPr>
         <p:blipFill>
           <a:blip r:embed="rId2"/>
+          <a:srcRect l="772" t="1160"/>
           <a:stretch>
             <a:fillRect/>
           </a:stretch>
         </p:blipFill>
         <p:spPr>
           <a:xfrm>
-            <a:off x="2718916" y="1938843"/>
-            <a:ext cx="6754168" cy="4124901"/>
+            <a:off x="3136899" y="1949450"/>
+            <a:ext cx="5964657" cy="4152399"/>
           </a:xfrm>
           <a:prstGeom prst="rect">
             <a:avLst/>
           </a:prstGeom>
+          <a:ln>
+            <a:solidFill>
+              <a:schemeClr val="tx1"/>
+            </a:solidFill>
+          </a:ln>
         </p:spPr>
       </p:pic>
+      <p:sp>
+        <p:nvSpPr>
+          <p:cNvPr id="6" name="직사각형 5">
+            <a:extLst>
+              <a:ext uri="{FF2B5EF4-FFF2-40B4-BE49-F238E27FC236}">
+                <a16:creationId xmlns:a16="http://schemas.microsoft.com/office/drawing/2014/main" id="{58A0E683-2042-FEE1-0358-A9698A5B22CE}"/>
+              </a:ext>
+            </a:extLst>
+          </p:cNvPr>
+          <p:cNvSpPr/>
+          <p:nvPr/>
+        </p:nvSpPr>
+        <p:spPr>
+          <a:xfrm>
+            <a:off x="3276600" y="4057650"/>
+            <a:ext cx="368300" cy="304800"/>
+          </a:xfrm>
+          <a:prstGeom prst="rect">
+            <a:avLst/>
+          </a:prstGeom>
+          <a:noFill/>
+          <a:ln w="38100">
+            <a:solidFill>
+              <a:srgbClr val="FF0000"/>
+            </a:solidFill>
+          </a:ln>
+        </p:spPr>
+        <p:style>
+          <a:lnRef idx="2">
+            <a:schemeClr val="accent1">
+              <a:shade val="15000"/>
+            </a:schemeClr>
+          </a:lnRef>
+          <a:fillRef idx="1">
+            <a:schemeClr val="accent1"/>
+          </a:fillRef>
+          <a:effectRef idx="0">
+            <a:schemeClr val="accent1"/>
+          </a:effectRef>
+          <a:fontRef idx="minor">
+            <a:schemeClr val="lt1"/>
+          </a:fontRef>
+        </p:style>
+        <p:txBody>
+          <a:bodyPr rtlCol="0" anchor="ctr"/>
+          <a:lstStyle/>
+          <a:p>
+            <a:pPr algn="ctr"/>
+            <a:endParaRPr lang="ko-KR" altLang="en-US"/>
+          </a:p>
+        </p:txBody>
+      </p:sp>
+      <p:sp>
+        <p:nvSpPr>
+          <p:cNvPr id="7" name="직사각형 6">
+            <a:extLst>
+              <a:ext uri="{FF2B5EF4-FFF2-40B4-BE49-F238E27FC236}">
+                <a16:creationId xmlns:a16="http://schemas.microsoft.com/office/drawing/2014/main" id="{5DE1368E-A58B-76F5-C690-432EB829BA0C}"/>
+              </a:ext>
+            </a:extLst>
+          </p:cNvPr>
+          <p:cNvSpPr/>
+          <p:nvPr/>
+        </p:nvSpPr>
+        <p:spPr>
+          <a:xfrm>
+            <a:off x="6642100" y="5416550"/>
+            <a:ext cx="1409700" cy="476250"/>
+          </a:xfrm>
+          <a:prstGeom prst="rect">
+            <a:avLst/>
+          </a:prstGeom>
+          <a:noFill/>
+          <a:ln w="38100">
+            <a:solidFill>
+              <a:srgbClr val="FF0000"/>
+            </a:solidFill>
+          </a:ln>
+        </p:spPr>
+        <p:style>
+          <a:lnRef idx="2">
+            <a:schemeClr val="accent1">
+              <a:shade val="15000"/>
+            </a:schemeClr>
+          </a:lnRef>
+          <a:fillRef idx="1">
+            <a:schemeClr val="accent1"/>
+          </a:fillRef>
+          <a:effectRef idx="0">
+            <a:schemeClr val="accent1"/>
+          </a:effectRef>
+          <a:fontRef idx="minor">
+            <a:schemeClr val="lt1"/>
+          </a:fontRef>
+        </p:style>
+        <p:txBody>
+          <a:bodyPr rtlCol="0" anchor="ctr"/>
+          <a:lstStyle/>
+          <a:p>
+            <a:pPr algn="ctr"/>
+            <a:endParaRPr lang="ko-KR" altLang="en-US"/>
+          </a:p>
+        </p:txBody>
+      </p:sp>
     </p:spTree>
     <p:extLst>
       <p:ext uri="{BB962C8B-B14F-4D97-AF65-F5344CB8AC3E}">
-        <p14:creationId xmlns:p14="http://schemas.microsoft.com/office/powerpoint/2010/main" val="1490185985"/>
+        <p14:creationId xmlns:p14="http://schemas.microsoft.com/office/powerpoint/2010/main" val="2834207909"/>
       </p:ext>
     </p:extLst>
   </p:cSld>
@@ -3198,7 +4733,7 @@
       </p:sp>
       <p:pic>
         <p:nvPicPr>
-          <p:cNvPr id="4" name="내용 개체 틀 3"/>
+          <p:cNvPr id="7" name="내용 개체 틀 6"/>
           <p:cNvPicPr>
             <a:picLocks noGrp="1" noChangeAspect="1"/>
           </p:cNvPicPr>
@@ -3214,18 +4749,70 @@
         </p:blipFill>
         <p:spPr>
           <a:xfrm>
-            <a:off x="2752258" y="1957896"/>
-            <a:ext cx="6687483" cy="4086795"/>
+            <a:off x="2718916" y="1938843"/>
+            <a:ext cx="6754168" cy="4124901"/>
           </a:xfrm>
           <a:prstGeom prst="rect">
             <a:avLst/>
           </a:prstGeom>
         </p:spPr>
       </p:pic>
+      <p:sp>
+        <p:nvSpPr>
+          <p:cNvPr id="3" name="직사각형 2">
+            <a:extLst>
+              <a:ext uri="{FF2B5EF4-FFF2-40B4-BE49-F238E27FC236}">
+                <a16:creationId xmlns:a16="http://schemas.microsoft.com/office/drawing/2014/main" id="{74007C70-4522-3FA1-0255-7DF03DD322F3}"/>
+              </a:ext>
+            </a:extLst>
+          </p:cNvPr>
+          <p:cNvSpPr/>
+          <p:nvPr/>
+        </p:nvSpPr>
+        <p:spPr>
+          <a:xfrm>
+            <a:off x="7747000" y="5556250"/>
+            <a:ext cx="920750" cy="323850"/>
+          </a:xfrm>
+          <a:prstGeom prst="rect">
+            <a:avLst/>
+          </a:prstGeom>
+          <a:noFill/>
+          <a:ln w="38100">
+            <a:solidFill>
+              <a:srgbClr val="FF0000"/>
+            </a:solidFill>
+          </a:ln>
+        </p:spPr>
+        <p:style>
+          <a:lnRef idx="2">
+            <a:schemeClr val="accent1">
+              <a:shade val="15000"/>
+            </a:schemeClr>
+          </a:lnRef>
+          <a:fillRef idx="1">
+            <a:schemeClr val="accent1"/>
+          </a:fillRef>
+          <a:effectRef idx="0">
+            <a:schemeClr val="accent1"/>
+          </a:effectRef>
+          <a:fontRef idx="minor">
+            <a:schemeClr val="lt1"/>
+          </a:fontRef>
+        </p:style>
+        <p:txBody>
+          <a:bodyPr rtlCol="0" anchor="ctr"/>
+          <a:lstStyle/>
+          <a:p>
+            <a:pPr algn="ctr"/>
+            <a:endParaRPr lang="ko-KR" altLang="en-US"/>
+          </a:p>
+        </p:txBody>
+      </p:sp>
     </p:spTree>
     <p:extLst>
       <p:ext uri="{BB962C8B-B14F-4D97-AF65-F5344CB8AC3E}">
-        <p14:creationId xmlns:p14="http://schemas.microsoft.com/office/powerpoint/2010/main" val="2859646062"/>
+        <p14:creationId xmlns:p14="http://schemas.microsoft.com/office/powerpoint/2010/main" val="1490185985"/>
       </p:ext>
     </p:extLst>
   </p:cSld>
@@ -3289,18 +4876,829 @@
         </p:blipFill>
         <p:spPr>
           <a:xfrm>
-            <a:off x="2699863" y="1943607"/>
-            <a:ext cx="6792273" cy="4115374"/>
+            <a:off x="2752258" y="1957896"/>
+            <a:ext cx="6687483" cy="4086795"/>
           </a:xfrm>
           <a:prstGeom prst="rect">
             <a:avLst/>
           </a:prstGeom>
         </p:spPr>
       </p:pic>
+      <p:sp>
+        <p:nvSpPr>
+          <p:cNvPr id="3" name="직사각형 2">
+            <a:extLst>
+              <a:ext uri="{FF2B5EF4-FFF2-40B4-BE49-F238E27FC236}">
+                <a16:creationId xmlns:a16="http://schemas.microsoft.com/office/drawing/2014/main" id="{60694C0E-B16D-7601-A76E-F22B35EDC031}"/>
+              </a:ext>
+            </a:extLst>
+          </p:cNvPr>
+          <p:cNvSpPr/>
+          <p:nvPr/>
+        </p:nvSpPr>
+        <p:spPr>
+          <a:xfrm>
+            <a:off x="8655050" y="5543550"/>
+            <a:ext cx="622300" cy="330200"/>
+          </a:xfrm>
+          <a:prstGeom prst="rect">
+            <a:avLst/>
+          </a:prstGeom>
+          <a:noFill/>
+          <a:ln w="38100">
+            <a:solidFill>
+              <a:srgbClr val="FF0000"/>
+            </a:solidFill>
+          </a:ln>
+        </p:spPr>
+        <p:style>
+          <a:lnRef idx="2">
+            <a:schemeClr val="accent1">
+              <a:shade val="15000"/>
+            </a:schemeClr>
+          </a:lnRef>
+          <a:fillRef idx="1">
+            <a:schemeClr val="accent1"/>
+          </a:fillRef>
+          <a:effectRef idx="0">
+            <a:schemeClr val="accent1"/>
+          </a:effectRef>
+          <a:fontRef idx="minor">
+            <a:schemeClr val="lt1"/>
+          </a:fontRef>
+        </p:style>
+        <p:txBody>
+          <a:bodyPr rtlCol="0" anchor="ctr"/>
+          <a:lstStyle/>
+          <a:p>
+            <a:pPr algn="ctr"/>
+            <a:endParaRPr lang="ko-KR" altLang="en-US"/>
+          </a:p>
+        </p:txBody>
+      </p:sp>
+    </p:spTree>
+    <p:extLst>
+      <p:ext uri="{BB962C8B-B14F-4D97-AF65-F5344CB8AC3E}">
+        <p14:creationId xmlns:p14="http://schemas.microsoft.com/office/powerpoint/2010/main" val="2859646062"/>
+      </p:ext>
+    </p:extLst>
+  </p:cSld>
+  <p:clrMapOvr>
+    <a:masterClrMapping/>
+  </p:clrMapOvr>
+</p:sld>
+</file>
+
+<file path=ppt/slides/slide6.xml><?xml version="1.0" encoding="utf-8"?>
+<p:sld xmlns:a="http://schemas.openxmlformats.org/drawingml/2006/main" xmlns:r="http://schemas.openxmlformats.org/officeDocument/2006/relationships" xmlns:p="http://schemas.openxmlformats.org/presentationml/2006/main">
+  <p:cSld>
+    <p:spTree>
+      <p:nvGrpSpPr>
+        <p:cNvPr id="1" name=""/>
+        <p:cNvGrpSpPr/>
+        <p:nvPr/>
+      </p:nvGrpSpPr>
+      <p:grpSpPr>
+        <a:xfrm>
+          <a:off x="0" y="0"/>
+          <a:ext cx="0" cy="0"/>
+          <a:chOff x="0" y="0"/>
+          <a:chExt cx="0" cy="0"/>
+        </a:xfrm>
+      </p:grpSpPr>
+      <p:sp>
+        <p:nvSpPr>
+          <p:cNvPr id="2" name="제목 1"/>
+          <p:cNvSpPr>
+            <a:spLocks noGrp="1"/>
+          </p:cNvSpPr>
+          <p:nvPr>
+            <p:ph type="title"/>
+          </p:nvPr>
+        </p:nvSpPr>
+        <p:spPr/>
+        <p:txBody>
+          <a:bodyPr/>
+          <a:lstStyle/>
+          <a:p>
+            <a:endParaRPr lang="ko-KR" altLang="en-US"/>
+          </a:p>
+        </p:txBody>
+      </p:sp>
+      <p:pic>
+        <p:nvPicPr>
+          <p:cNvPr id="4" name="내용 개체 틀 3"/>
+          <p:cNvPicPr>
+            <a:picLocks noGrp="1" noChangeAspect="1"/>
+          </p:cNvPicPr>
+          <p:nvPr>
+            <p:ph idx="1"/>
+          </p:nvPr>
+        </p:nvPicPr>
+        <p:blipFill>
+          <a:blip r:embed="rId2"/>
+          <a:stretch>
+            <a:fillRect/>
+          </a:stretch>
+        </p:blipFill>
+        <p:spPr>
+          <a:xfrm>
+            <a:off x="2699863" y="1943607"/>
+            <a:ext cx="6792273" cy="4115374"/>
+          </a:xfrm>
+          <a:prstGeom prst="rect">
+            <a:avLst/>
+          </a:prstGeom>
+        </p:spPr>
+      </p:pic>
+      <p:sp>
+        <p:nvSpPr>
+          <p:cNvPr id="3" name="직사각형 2">
+            <a:extLst>
+              <a:ext uri="{FF2B5EF4-FFF2-40B4-BE49-F238E27FC236}">
+                <a16:creationId xmlns:a16="http://schemas.microsoft.com/office/drawing/2014/main" id="{5DCF5089-8CF3-B3A4-D5FC-6DF30B32E514}"/>
+              </a:ext>
+            </a:extLst>
+          </p:cNvPr>
+          <p:cNvSpPr/>
+          <p:nvPr/>
+        </p:nvSpPr>
+        <p:spPr>
+          <a:xfrm>
+            <a:off x="5092700" y="2933700"/>
+            <a:ext cx="1663700" cy="209550"/>
+          </a:xfrm>
+          <a:prstGeom prst="rect">
+            <a:avLst/>
+          </a:prstGeom>
+          <a:solidFill>
+            <a:srgbClr val="FF0000"/>
+          </a:solidFill>
+        </p:spPr>
+        <p:style>
+          <a:lnRef idx="2">
+            <a:schemeClr val="accent1">
+              <a:shade val="15000"/>
+            </a:schemeClr>
+          </a:lnRef>
+          <a:fillRef idx="1">
+            <a:schemeClr val="accent1"/>
+          </a:fillRef>
+          <a:effectRef idx="0">
+            <a:schemeClr val="accent1"/>
+          </a:effectRef>
+          <a:fontRef idx="minor">
+            <a:schemeClr val="lt1"/>
+          </a:fontRef>
+        </p:style>
+        <p:txBody>
+          <a:bodyPr rtlCol="0" anchor="ctr"/>
+          <a:lstStyle/>
+          <a:p>
+            <a:pPr algn="ctr"/>
+            <a:endParaRPr lang="ko-KR" altLang="en-US"/>
+          </a:p>
+        </p:txBody>
+      </p:sp>
+      <p:sp>
+        <p:nvSpPr>
+          <p:cNvPr id="5" name="직사각형 4">
+            <a:extLst>
+              <a:ext uri="{FF2B5EF4-FFF2-40B4-BE49-F238E27FC236}">
+                <a16:creationId xmlns:a16="http://schemas.microsoft.com/office/drawing/2014/main" id="{5BD5F37C-51E0-BE0B-FE52-525964763D83}"/>
+              </a:ext>
+            </a:extLst>
+          </p:cNvPr>
+          <p:cNvSpPr/>
+          <p:nvPr/>
+        </p:nvSpPr>
+        <p:spPr>
+          <a:xfrm>
+            <a:off x="5092700" y="3362325"/>
+            <a:ext cx="1663700" cy="209550"/>
+          </a:xfrm>
+          <a:prstGeom prst="rect">
+            <a:avLst/>
+          </a:prstGeom>
+          <a:solidFill>
+            <a:srgbClr val="FF0000"/>
+          </a:solidFill>
+        </p:spPr>
+        <p:style>
+          <a:lnRef idx="2">
+            <a:schemeClr val="accent1">
+              <a:shade val="15000"/>
+            </a:schemeClr>
+          </a:lnRef>
+          <a:fillRef idx="1">
+            <a:schemeClr val="accent1"/>
+          </a:fillRef>
+          <a:effectRef idx="0">
+            <a:schemeClr val="accent1"/>
+          </a:effectRef>
+          <a:fontRef idx="minor">
+            <a:schemeClr val="lt1"/>
+          </a:fontRef>
+        </p:style>
+        <p:txBody>
+          <a:bodyPr rtlCol="0" anchor="ctr"/>
+          <a:lstStyle/>
+          <a:p>
+            <a:pPr algn="ctr"/>
+            <a:endParaRPr lang="ko-KR" altLang="en-US"/>
+          </a:p>
+        </p:txBody>
+      </p:sp>
+      <p:sp>
+        <p:nvSpPr>
+          <p:cNvPr id="6" name="TextBox 5">
+            <a:extLst>
+              <a:ext uri="{FF2B5EF4-FFF2-40B4-BE49-F238E27FC236}">
+                <a16:creationId xmlns:a16="http://schemas.microsoft.com/office/drawing/2014/main" id="{44DC1CD5-5CBF-12E1-D4F6-9947A095169D}"/>
+              </a:ext>
+            </a:extLst>
+          </p:cNvPr>
+          <p:cNvSpPr txBox="1"/>
+          <p:nvPr/>
+        </p:nvSpPr>
+        <p:spPr>
+          <a:xfrm>
+            <a:off x="5087390" y="2899975"/>
+            <a:ext cx="1524776" cy="276999"/>
+          </a:xfrm>
+          <a:prstGeom prst="rect">
+            <a:avLst/>
+          </a:prstGeom>
+          <a:noFill/>
+        </p:spPr>
+        <p:txBody>
+          <a:bodyPr wrap="none" rtlCol="0">
+            <a:spAutoFit/>
+          </a:bodyPr>
+          <a:lstStyle/>
+          <a:p>
+            <a:r>
+              <a:rPr lang="ko-KR" altLang="en-US" sz="1200" b="1" dirty="0">
+                <a:solidFill>
+                  <a:schemeClr val="bg1"/>
+                </a:solidFill>
+              </a:rPr>
+              <a:t>디폴트 아이디 입력</a:t>
+            </a:r>
+          </a:p>
+        </p:txBody>
+      </p:sp>
+      <p:sp>
+        <p:nvSpPr>
+          <p:cNvPr id="7" name="TextBox 6">
+            <a:extLst>
+              <a:ext uri="{FF2B5EF4-FFF2-40B4-BE49-F238E27FC236}">
+                <a16:creationId xmlns:a16="http://schemas.microsoft.com/office/drawing/2014/main" id="{B8A4A3DC-CF63-50F6-CFFE-A38C1146EB31}"/>
+              </a:ext>
+            </a:extLst>
+          </p:cNvPr>
+          <p:cNvSpPr txBox="1"/>
+          <p:nvPr/>
+        </p:nvSpPr>
+        <p:spPr>
+          <a:xfrm>
+            <a:off x="5087390" y="3328600"/>
+            <a:ext cx="1524776" cy="276999"/>
+          </a:xfrm>
+          <a:prstGeom prst="rect">
+            <a:avLst/>
+          </a:prstGeom>
+          <a:noFill/>
+        </p:spPr>
+        <p:txBody>
+          <a:bodyPr wrap="none" rtlCol="0">
+            <a:spAutoFit/>
+          </a:bodyPr>
+          <a:lstStyle/>
+          <a:p>
+            <a:r>
+              <a:rPr lang="ko-KR" altLang="en-US" sz="1200" b="1" dirty="0">
+                <a:solidFill>
+                  <a:schemeClr val="bg1"/>
+                </a:solidFill>
+              </a:rPr>
+              <a:t>디폴트 이메일 입력</a:t>
+            </a:r>
+          </a:p>
+        </p:txBody>
+      </p:sp>
     </p:spTree>
     <p:extLst>
       <p:ext uri="{BB962C8B-B14F-4D97-AF65-F5344CB8AC3E}">
         <p14:creationId xmlns:p14="http://schemas.microsoft.com/office/powerpoint/2010/main" val="2194834529"/>
+      </p:ext>
+    </p:extLst>
+  </p:cSld>
+  <p:clrMapOvr>
+    <a:masterClrMapping/>
+  </p:clrMapOvr>
+</p:sld>
+</file>
+
+<file path=ppt/slides/slide7.xml><?xml version="1.0" encoding="utf-8"?>
+<p:sld xmlns:a="http://schemas.openxmlformats.org/drawingml/2006/main" xmlns:r="http://schemas.openxmlformats.org/officeDocument/2006/relationships" xmlns:p="http://schemas.openxmlformats.org/presentationml/2006/main">
+  <p:cSld>
+    <p:spTree>
+      <p:nvGrpSpPr>
+        <p:cNvPr id="1" name=""/>
+        <p:cNvGrpSpPr/>
+        <p:nvPr/>
+      </p:nvGrpSpPr>
+      <p:grpSpPr>
+        <a:xfrm>
+          <a:off x="0" y="0"/>
+          <a:ext cx="0" cy="0"/>
+          <a:chOff x="0" y="0"/>
+          <a:chExt cx="0" cy="0"/>
+        </a:xfrm>
+      </p:grpSpPr>
+      <p:sp>
+        <p:nvSpPr>
+          <p:cNvPr id="2" name="제목 1">
+            <a:extLst>
+              <a:ext uri="{FF2B5EF4-FFF2-40B4-BE49-F238E27FC236}">
+                <a16:creationId xmlns:a16="http://schemas.microsoft.com/office/drawing/2014/main" id="{6B0871EB-16B2-D0F7-1C34-9647C48A3930}"/>
+              </a:ext>
+            </a:extLst>
+          </p:cNvPr>
+          <p:cNvSpPr>
+            <a:spLocks noGrp="1"/>
+          </p:cNvSpPr>
+          <p:nvPr>
+            <p:ph type="title"/>
+          </p:nvPr>
+        </p:nvSpPr>
+        <p:spPr/>
+        <p:txBody>
+          <a:bodyPr/>
+          <a:lstStyle/>
+          <a:p>
+            <a:endParaRPr lang="ko-KR" altLang="en-US"/>
+          </a:p>
+        </p:txBody>
+      </p:sp>
+      <p:pic>
+        <p:nvPicPr>
+          <p:cNvPr id="7" name="내용 개체 틀 6" descr="텍스트, 스크린샷, 폰트, 번호이(가) 표시된 사진&#10;&#10;AI 생성 콘텐츠는 정확하지 않을 수 있습니다.">
+            <a:extLst>
+              <a:ext uri="{FF2B5EF4-FFF2-40B4-BE49-F238E27FC236}">
+                <a16:creationId xmlns:a16="http://schemas.microsoft.com/office/drawing/2014/main" id="{7771D16D-B131-6E18-430D-ADE18FEDBE82}"/>
+              </a:ext>
+            </a:extLst>
+          </p:cNvPr>
+          <p:cNvPicPr>
+            <a:picLocks noGrp="1" noChangeAspect="1"/>
+          </p:cNvPicPr>
+          <p:nvPr>
+            <p:ph idx="1"/>
+          </p:nvPr>
+        </p:nvPicPr>
+        <p:blipFill>
+          <a:blip r:embed="rId2"/>
+          <a:srcRect l="970" r="-1"/>
+          <a:stretch>
+            <a:fillRect/>
+          </a:stretch>
+        </p:blipFill>
+        <p:spPr>
+          <a:xfrm>
+            <a:off x="3994150" y="3353503"/>
+            <a:ext cx="4245274" cy="1295581"/>
+          </a:xfrm>
+          <a:prstGeom prst="rect">
+            <a:avLst/>
+          </a:prstGeom>
+          <a:ln>
+            <a:solidFill>
+              <a:schemeClr val="tx1"/>
+            </a:solidFill>
+          </a:ln>
+        </p:spPr>
+      </p:pic>
+      <p:sp>
+        <p:nvSpPr>
+          <p:cNvPr id="8" name="직사각형 7">
+            <a:extLst>
+              <a:ext uri="{FF2B5EF4-FFF2-40B4-BE49-F238E27FC236}">
+                <a16:creationId xmlns:a16="http://schemas.microsoft.com/office/drawing/2014/main" id="{163BD9F6-E9DF-F4F6-A4BE-1FCD09629B9D}"/>
+              </a:ext>
+            </a:extLst>
+          </p:cNvPr>
+          <p:cNvSpPr/>
+          <p:nvPr/>
+        </p:nvSpPr>
+        <p:spPr>
+          <a:xfrm>
+            <a:off x="7512050" y="4343400"/>
+            <a:ext cx="660400" cy="228600"/>
+          </a:xfrm>
+          <a:prstGeom prst="rect">
+            <a:avLst/>
+          </a:prstGeom>
+          <a:noFill/>
+          <a:ln w="38100">
+            <a:solidFill>
+              <a:srgbClr val="FF0000"/>
+            </a:solidFill>
+          </a:ln>
+        </p:spPr>
+        <p:style>
+          <a:lnRef idx="2">
+            <a:schemeClr val="accent1">
+              <a:shade val="15000"/>
+            </a:schemeClr>
+          </a:lnRef>
+          <a:fillRef idx="1">
+            <a:schemeClr val="accent1"/>
+          </a:fillRef>
+          <a:effectRef idx="0">
+            <a:schemeClr val="accent1"/>
+          </a:effectRef>
+          <a:fontRef idx="minor">
+            <a:schemeClr val="lt1"/>
+          </a:fontRef>
+        </p:style>
+        <p:txBody>
+          <a:bodyPr rtlCol="0" anchor="ctr"/>
+          <a:lstStyle/>
+          <a:p>
+            <a:pPr algn="ctr"/>
+            <a:endParaRPr lang="ko-KR" altLang="en-US"/>
+          </a:p>
+        </p:txBody>
+      </p:sp>
+    </p:spTree>
+    <p:extLst>
+      <p:ext uri="{BB962C8B-B14F-4D97-AF65-F5344CB8AC3E}">
+        <p14:creationId xmlns:p14="http://schemas.microsoft.com/office/powerpoint/2010/main" val="4283923889"/>
+      </p:ext>
+    </p:extLst>
+  </p:cSld>
+  <p:clrMapOvr>
+    <a:masterClrMapping/>
+  </p:clrMapOvr>
+</p:sld>
+</file>
+
+<file path=ppt/slides/slide8.xml><?xml version="1.0" encoding="utf-8"?>
+<p:sld xmlns:a="http://schemas.openxmlformats.org/drawingml/2006/main" xmlns:r="http://schemas.openxmlformats.org/officeDocument/2006/relationships" xmlns:p="http://schemas.openxmlformats.org/presentationml/2006/main">
+  <p:cSld>
+    <p:spTree>
+      <p:nvGrpSpPr>
+        <p:cNvPr id="1" name=""/>
+        <p:cNvGrpSpPr/>
+        <p:nvPr/>
+      </p:nvGrpSpPr>
+      <p:grpSpPr>
+        <a:xfrm>
+          <a:off x="0" y="0"/>
+          <a:ext cx="0" cy="0"/>
+          <a:chOff x="0" y="0"/>
+          <a:chExt cx="0" cy="0"/>
+        </a:xfrm>
+      </p:grpSpPr>
+      <p:pic>
+        <p:nvPicPr>
+          <p:cNvPr id="5" name="그림 4" descr="텍스트, 스크린샷, 폰트, 도표이(가) 표시된 사진&#10;&#10;AI 생성 콘텐츠는 정확하지 않을 수 있습니다.">
+            <a:extLst>
+              <a:ext uri="{FF2B5EF4-FFF2-40B4-BE49-F238E27FC236}">
+                <a16:creationId xmlns:a16="http://schemas.microsoft.com/office/drawing/2014/main" id="{D946B382-D916-2168-5D86-E52A906843C8}"/>
+              </a:ext>
+            </a:extLst>
+          </p:cNvPr>
+          <p:cNvPicPr>
+            <a:picLocks noChangeAspect="1"/>
+          </p:cNvPicPr>
+          <p:nvPr/>
+        </p:nvPicPr>
+        <p:blipFill>
+          <a:blip r:embed="rId2"/>
+          <a:stretch>
+            <a:fillRect/>
+          </a:stretch>
+        </p:blipFill>
+        <p:spPr>
+          <a:xfrm>
+            <a:off x="3682741" y="2494893"/>
+            <a:ext cx="4826517" cy="3012802"/>
+          </a:xfrm>
+          <a:prstGeom prst="rect">
+            <a:avLst/>
+          </a:prstGeom>
+        </p:spPr>
+      </p:pic>
+      <p:sp>
+        <p:nvSpPr>
+          <p:cNvPr id="2" name="제목 1">
+            <a:extLst>
+              <a:ext uri="{FF2B5EF4-FFF2-40B4-BE49-F238E27FC236}">
+                <a16:creationId xmlns:a16="http://schemas.microsoft.com/office/drawing/2014/main" id="{51E1B550-A7AE-A8BF-B195-0882C0A25B0C}"/>
+              </a:ext>
+            </a:extLst>
+          </p:cNvPr>
+          <p:cNvSpPr>
+            <a:spLocks noGrp="1"/>
+          </p:cNvSpPr>
+          <p:nvPr>
+            <p:ph type="title"/>
+          </p:nvPr>
+        </p:nvSpPr>
+        <p:spPr/>
+        <p:txBody>
+          <a:bodyPr/>
+          <a:lstStyle/>
+          <a:p>
+            <a:endParaRPr lang="ko-KR" altLang="en-US" dirty="0"/>
+          </a:p>
+        </p:txBody>
+      </p:sp>
+      <p:sp>
+        <p:nvSpPr>
+          <p:cNvPr id="3" name="내용 개체 틀 2">
+            <a:extLst>
+              <a:ext uri="{FF2B5EF4-FFF2-40B4-BE49-F238E27FC236}">
+                <a16:creationId xmlns:a16="http://schemas.microsoft.com/office/drawing/2014/main" id="{6AD67F3B-7214-8A25-09C2-E8CE48A73E76}"/>
+              </a:ext>
+            </a:extLst>
+          </p:cNvPr>
+          <p:cNvSpPr>
+            <a:spLocks noGrp="1"/>
+          </p:cNvSpPr>
+          <p:nvPr>
+            <p:ph idx="1"/>
+          </p:nvPr>
+        </p:nvSpPr>
+        <p:spPr/>
+        <p:txBody>
+          <a:bodyPr/>
+          <a:lstStyle/>
+          <a:p>
+            <a:pPr marL="0" indent="0">
+              <a:buNone/>
+            </a:pPr>
+            <a:r>
+              <a:rPr lang="en-US" altLang="ko-KR" dirty="0">
+                <a:hlinkClick r:id="rId3"/>
+              </a:rPr>
+              <a:t>http://woobo.online:4000</a:t>
+            </a:r>
+            <a:endParaRPr lang="ko-KR" altLang="en-US" dirty="0"/>
+          </a:p>
+        </p:txBody>
+      </p:sp>
+    </p:spTree>
+    <p:extLst>
+      <p:ext uri="{BB962C8B-B14F-4D97-AF65-F5344CB8AC3E}">
+        <p14:creationId xmlns:p14="http://schemas.microsoft.com/office/powerpoint/2010/main" val="70317730"/>
+      </p:ext>
+    </p:extLst>
+  </p:cSld>
+  <p:clrMapOvr>
+    <a:masterClrMapping/>
+  </p:clrMapOvr>
+</p:sld>
+</file>
+
+<file path=ppt/slides/slide9.xml><?xml version="1.0" encoding="utf-8"?>
+<p:sld xmlns:a="http://schemas.openxmlformats.org/drawingml/2006/main" xmlns:r="http://schemas.openxmlformats.org/officeDocument/2006/relationships" xmlns:p="http://schemas.openxmlformats.org/presentationml/2006/main">
+  <p:cSld>
+    <p:spTree>
+      <p:nvGrpSpPr>
+        <p:cNvPr id="1" name=""/>
+        <p:cNvGrpSpPr/>
+        <p:nvPr/>
+      </p:nvGrpSpPr>
+      <p:grpSpPr>
+        <a:xfrm>
+          <a:off x="0" y="0"/>
+          <a:ext cx="0" cy="0"/>
+          <a:chOff x="0" y="0"/>
+          <a:chExt cx="0" cy="0"/>
+        </a:xfrm>
+      </p:grpSpPr>
+      <p:sp>
+        <p:nvSpPr>
+          <p:cNvPr id="2" name="제목 1">
+            <a:extLst>
+              <a:ext uri="{FF2B5EF4-FFF2-40B4-BE49-F238E27FC236}">
+                <a16:creationId xmlns:a16="http://schemas.microsoft.com/office/drawing/2014/main" id="{05E6F276-F8D7-47AB-9556-5FA771F5CCCA}"/>
+              </a:ext>
+            </a:extLst>
+          </p:cNvPr>
+          <p:cNvSpPr>
+            <a:spLocks noGrp="1"/>
+          </p:cNvSpPr>
+          <p:nvPr>
+            <p:ph type="title"/>
+          </p:nvPr>
+        </p:nvSpPr>
+        <p:spPr/>
+        <p:txBody>
+          <a:bodyPr/>
+          <a:lstStyle/>
+          <a:p>
+            <a:endParaRPr lang="ko-KR" altLang="en-US"/>
+          </a:p>
+        </p:txBody>
+      </p:sp>
+      <p:sp>
+        <p:nvSpPr>
+          <p:cNvPr id="3" name="내용 개체 틀 2">
+            <a:extLst>
+              <a:ext uri="{FF2B5EF4-FFF2-40B4-BE49-F238E27FC236}">
+                <a16:creationId xmlns:a16="http://schemas.microsoft.com/office/drawing/2014/main" id="{37615467-34BE-5ED6-EA3B-9649B533CB0F}"/>
+              </a:ext>
+            </a:extLst>
+          </p:cNvPr>
+          <p:cNvSpPr>
+            <a:spLocks noGrp="1"/>
+          </p:cNvSpPr>
+          <p:nvPr>
+            <p:ph idx="1"/>
+          </p:nvPr>
+        </p:nvSpPr>
+        <p:spPr/>
+        <p:txBody>
+          <a:bodyPr/>
+          <a:lstStyle/>
+          <a:p>
+            <a:endParaRPr lang="ko-KR" altLang="en-US" dirty="0"/>
+          </a:p>
+        </p:txBody>
+      </p:sp>
+      <p:pic>
+        <p:nvPicPr>
+          <p:cNvPr id="10" name="그림 9" descr="텍스트, 스크린샷, 번호, 폰트이(가) 표시된 사진&#10;&#10;AI 생성 콘텐츠는 정확하지 않을 수 있습니다.">
+            <a:extLst>
+              <a:ext uri="{FF2B5EF4-FFF2-40B4-BE49-F238E27FC236}">
+                <a16:creationId xmlns:a16="http://schemas.microsoft.com/office/drawing/2014/main" id="{D3213982-EFA0-AD62-C2AD-AC6114A4E4EC}"/>
+              </a:ext>
+            </a:extLst>
+          </p:cNvPr>
+          <p:cNvPicPr>
+            <a:picLocks noChangeAspect="1"/>
+          </p:cNvPicPr>
+          <p:nvPr/>
+        </p:nvPicPr>
+        <p:blipFill>
+          <a:blip r:embed="rId2"/>
+          <a:stretch>
+            <a:fillRect/>
+          </a:stretch>
+        </p:blipFill>
+        <p:spPr>
+          <a:xfrm>
+            <a:off x="838200" y="1825625"/>
+            <a:ext cx="4991797" cy="3743847"/>
+          </a:xfrm>
+          <a:prstGeom prst="rect">
+            <a:avLst/>
+          </a:prstGeom>
+        </p:spPr>
+      </p:pic>
+      <p:pic>
+        <p:nvPicPr>
+          <p:cNvPr id="12" name="그림 11" descr="텍스트, 스크린샷, 번호, 폰트이(가) 표시된 사진&#10;&#10;AI 생성 콘텐츠는 정확하지 않을 수 있습니다.">
+            <a:extLst>
+              <a:ext uri="{FF2B5EF4-FFF2-40B4-BE49-F238E27FC236}">
+                <a16:creationId xmlns:a16="http://schemas.microsoft.com/office/drawing/2014/main" id="{3352F560-2B7A-891E-9C20-B01AC6548130}"/>
+              </a:ext>
+            </a:extLst>
+          </p:cNvPr>
+          <p:cNvPicPr>
+            <a:picLocks noChangeAspect="1"/>
+          </p:cNvPicPr>
+          <p:nvPr/>
+        </p:nvPicPr>
+        <p:blipFill>
+          <a:blip r:embed="rId3"/>
+          <a:stretch>
+            <a:fillRect/>
+          </a:stretch>
+        </p:blipFill>
+        <p:spPr>
+          <a:xfrm>
+            <a:off x="5198348" y="1910972"/>
+            <a:ext cx="6153956" cy="3251578"/>
+          </a:xfrm>
+          <a:prstGeom prst="rect">
+            <a:avLst/>
+          </a:prstGeom>
+        </p:spPr>
+      </p:pic>
+      <p:sp>
+        <p:nvSpPr>
+          <p:cNvPr id="4" name="직사각형 3">
+            <a:extLst>
+              <a:ext uri="{FF2B5EF4-FFF2-40B4-BE49-F238E27FC236}">
+                <a16:creationId xmlns:a16="http://schemas.microsoft.com/office/drawing/2014/main" id="{EBFD9798-DE85-F993-ADED-DCD7CB3062E6}"/>
+              </a:ext>
+            </a:extLst>
+          </p:cNvPr>
+          <p:cNvSpPr/>
+          <p:nvPr/>
+        </p:nvSpPr>
+        <p:spPr>
+          <a:xfrm>
+            <a:off x="838200" y="4140200"/>
+            <a:ext cx="1905000" cy="317500"/>
+          </a:xfrm>
+          <a:prstGeom prst="rect">
+            <a:avLst/>
+          </a:prstGeom>
+          <a:noFill/>
+          <a:ln w="38100">
+            <a:solidFill>
+              <a:srgbClr val="FF0000"/>
+            </a:solidFill>
+          </a:ln>
+        </p:spPr>
+        <p:style>
+          <a:lnRef idx="2">
+            <a:schemeClr val="accent1">
+              <a:shade val="15000"/>
+            </a:schemeClr>
+          </a:lnRef>
+          <a:fillRef idx="1">
+            <a:schemeClr val="accent1"/>
+          </a:fillRef>
+          <a:effectRef idx="0">
+            <a:schemeClr val="accent1"/>
+          </a:effectRef>
+          <a:fontRef idx="minor">
+            <a:schemeClr val="lt1"/>
+          </a:fontRef>
+        </p:style>
+        <p:txBody>
+          <a:bodyPr rtlCol="0" anchor="ctr"/>
+          <a:lstStyle/>
+          <a:p>
+            <a:pPr algn="ctr"/>
+            <a:endParaRPr lang="ko-KR" altLang="en-US"/>
+          </a:p>
+        </p:txBody>
+      </p:sp>
+      <p:sp>
+        <p:nvSpPr>
+          <p:cNvPr id="5" name="직사각형 4">
+            <a:extLst>
+              <a:ext uri="{FF2B5EF4-FFF2-40B4-BE49-F238E27FC236}">
+                <a16:creationId xmlns:a16="http://schemas.microsoft.com/office/drawing/2014/main" id="{93B68C99-174D-83DA-E1B7-D2A35703E937}"/>
+              </a:ext>
+            </a:extLst>
+          </p:cNvPr>
+          <p:cNvSpPr/>
+          <p:nvPr/>
+        </p:nvSpPr>
+        <p:spPr>
+          <a:xfrm>
+            <a:off x="9664700" y="3625850"/>
+            <a:ext cx="1562100" cy="260350"/>
+          </a:xfrm>
+          <a:prstGeom prst="rect">
+            <a:avLst/>
+          </a:prstGeom>
+          <a:noFill/>
+          <a:ln w="38100">
+            <a:solidFill>
+              <a:srgbClr val="FF0000"/>
+            </a:solidFill>
+          </a:ln>
+        </p:spPr>
+        <p:style>
+          <a:lnRef idx="2">
+            <a:schemeClr val="accent1">
+              <a:shade val="15000"/>
+            </a:schemeClr>
+          </a:lnRef>
+          <a:fillRef idx="1">
+            <a:schemeClr val="accent1"/>
+          </a:fillRef>
+          <a:effectRef idx="0">
+            <a:schemeClr val="accent1"/>
+          </a:effectRef>
+          <a:fontRef idx="minor">
+            <a:schemeClr val="lt1"/>
+          </a:fontRef>
+        </p:style>
+        <p:txBody>
+          <a:bodyPr rtlCol="0" anchor="ctr"/>
+          <a:lstStyle/>
+          <a:p>
+            <a:pPr algn="ctr"/>
+            <a:endParaRPr lang="ko-KR" altLang="en-US"/>
+          </a:p>
+        </p:txBody>
+      </p:sp>
+    </p:spTree>
+    <p:extLst>
+      <p:ext uri="{BB962C8B-B14F-4D97-AF65-F5344CB8AC3E}">
+        <p14:creationId xmlns:p14="http://schemas.microsoft.com/office/powerpoint/2010/main" val="2616010784"/>
       </p:ext>
     </p:extLst>
   </p:cSld>
